--- a/BSA Internship Workshop 2016 Slides.pptx
+++ b/BSA Internship Workshop 2016 Slides.pptx
@@ -5,7 +5,7 @@
     <p:sldMasterId id="2147483648" r:id="rId1"/>
   </p:sldMasterIdLst>
   <p:notesMasterIdLst>
-    <p:notesMasterId r:id="rId39"/>
+    <p:notesMasterId r:id="rId43"/>
   </p:notesMasterIdLst>
   <p:sldIdLst>
     <p:sldId id="256" r:id="rId2"/>
@@ -23,28 +23,32 @@
     <p:sldId id="267" r:id="rId14"/>
     <p:sldId id="269" r:id="rId15"/>
     <p:sldId id="270" r:id="rId16"/>
-    <p:sldId id="272" r:id="rId17"/>
-    <p:sldId id="287" r:id="rId18"/>
-    <p:sldId id="289" r:id="rId19"/>
-    <p:sldId id="288" r:id="rId20"/>
-    <p:sldId id="273" r:id="rId21"/>
-    <p:sldId id="274" r:id="rId22"/>
-    <p:sldId id="275" r:id="rId23"/>
-    <p:sldId id="276" r:id="rId24"/>
-    <p:sldId id="278" r:id="rId25"/>
-    <p:sldId id="291" r:id="rId26"/>
-    <p:sldId id="295" r:id="rId27"/>
-    <p:sldId id="290" r:id="rId28"/>
-    <p:sldId id="279" r:id="rId29"/>
-    <p:sldId id="293" r:id="rId30"/>
-    <p:sldId id="280" r:id="rId31"/>
-    <p:sldId id="292" r:id="rId32"/>
-    <p:sldId id="281" r:id="rId33"/>
-    <p:sldId id="282" r:id="rId34"/>
-    <p:sldId id="297" r:id="rId35"/>
-    <p:sldId id="283" r:id="rId36"/>
-    <p:sldId id="284" r:id="rId37"/>
-    <p:sldId id="285" r:id="rId38"/>
+    <p:sldId id="301" r:id="rId17"/>
+    <p:sldId id="300" r:id="rId18"/>
+    <p:sldId id="302" r:id="rId19"/>
+    <p:sldId id="272" r:id="rId20"/>
+    <p:sldId id="287" r:id="rId21"/>
+    <p:sldId id="289" r:id="rId22"/>
+    <p:sldId id="288" r:id="rId23"/>
+    <p:sldId id="273" r:id="rId24"/>
+    <p:sldId id="274" r:id="rId25"/>
+    <p:sldId id="275" r:id="rId26"/>
+    <p:sldId id="276" r:id="rId27"/>
+    <p:sldId id="278" r:id="rId28"/>
+    <p:sldId id="291" r:id="rId29"/>
+    <p:sldId id="295" r:id="rId30"/>
+    <p:sldId id="290" r:id="rId31"/>
+    <p:sldId id="279" r:id="rId32"/>
+    <p:sldId id="293" r:id="rId33"/>
+    <p:sldId id="280" r:id="rId34"/>
+    <p:sldId id="292" r:id="rId35"/>
+    <p:sldId id="281" r:id="rId36"/>
+    <p:sldId id="282" r:id="rId37"/>
+    <p:sldId id="297" r:id="rId38"/>
+    <p:sldId id="283" r:id="rId39"/>
+    <p:sldId id="284" r:id="rId40"/>
+    <p:sldId id="285" r:id="rId41"/>
+    <p:sldId id="303" r:id="rId42"/>
   </p:sldIdLst>
   <p:sldSz cx="9144000" cy="6858000" type="screen4x3"/>
   <p:notesSz cx="6858000" cy="9144000"/>
@@ -145,7 +149,7 @@
   </p:defaultTextStyle>
   <p:extLst>
     <p:ext uri="{EFAFB233-063F-42B5-8137-9DF3F51BA10A}">
-      <p15:sldGuideLst xmlns:p15="http://schemas.microsoft.com/office/powerpoint/2012/main" xmlns="">
+      <p15:sldGuideLst xmlns="" xmlns:p15="http://schemas.microsoft.com/office/powerpoint/2012/main">
         <p15:guide id="1" orient="horz" pos="2160">
           <p15:clr>
             <a:srgbClr val="A4A3A4"/>
@@ -3249,9 +3253,43 @@
 <p:sldMaster xmlns:a="http://schemas.openxmlformats.org/drawingml/2006/main" xmlns:r="http://schemas.openxmlformats.org/officeDocument/2006/relationships" xmlns:p="http://schemas.openxmlformats.org/presentationml/2006/main">
   <p:cSld>
     <p:bg>
-      <p:bgRef idx="1001">
-        <a:schemeClr val="bg1"/>
-      </p:bgRef>
+      <p:bgPr>
+        <a:gradFill flip="none" rotWithShape="1">
+          <a:gsLst>
+            <a:gs pos="70000">
+              <a:srgbClr val="BECEEC">
+                <a:alpha val="13000"/>
+              </a:srgbClr>
+            </a:gs>
+            <a:gs pos="0">
+              <a:schemeClr val="accent1">
+                <a:tint val="66000"/>
+                <a:satMod val="160000"/>
+                <a:alpha val="19000"/>
+              </a:schemeClr>
+            </a:gs>
+            <a:gs pos="50000">
+              <a:schemeClr val="accent1">
+                <a:tint val="44500"/>
+                <a:satMod val="160000"/>
+                <a:alpha val="5000"/>
+              </a:schemeClr>
+            </a:gs>
+            <a:gs pos="100000">
+              <a:schemeClr val="accent1">
+                <a:tint val="23500"/>
+                <a:satMod val="160000"/>
+                <a:alpha val="43000"/>
+              </a:schemeClr>
+            </a:gs>
+          </a:gsLst>
+          <a:path path="circle">
+            <a:fillToRect l="100000" t="100000"/>
+          </a:path>
+          <a:tileRect r="-100000" b="-100000"/>
+        </a:gradFill>
+        <a:effectLst/>
+      </p:bgPr>
     </p:bg>
     <p:spTree>
       <p:nvGrpSpPr>
@@ -3821,11 +3859,7 @@
           <a:p>
             <a:r>
               <a:rPr lang="en-US" dirty="0" smtClean="0"/>
-              <a:t>Brian </a:t>
-            </a:r>
-            <a:r>
-              <a:rPr lang="en-US" dirty="0" smtClean="0"/>
-              <a:t>Barkley, Yue Jiang</a:t>
+              <a:t>Brian Barkley, Yue Jiang</a:t>
             </a:r>
           </a:p>
           <a:p>
@@ -5326,38 +5360,49 @@
             <p:ph type="title"/>
           </p:nvPr>
         </p:nvSpPr>
-        <p:spPr/>
-        <p:txBody>
-          <a:bodyPr/>
-          <a:lstStyle/>
-          <a:p>
-            <a:r>
-              <a:rPr lang="en-US" dirty="0" smtClean="0"/>
-              <a:t>Is that all?</a:t>
-            </a:r>
-            <a:endParaRPr lang="en-US" dirty="0"/>
-          </a:p>
-        </p:txBody>
-      </p:sp>
-      <p:sp>
-        <p:nvSpPr>
-          <p:cNvPr id="3" name="Content Placeholder 2"/>
-          <p:cNvSpPr>
-            <a:spLocks noGrp="1"/>
-          </p:cNvSpPr>
-          <p:nvPr>
-            <p:ph idx="1"/>
-          </p:nvPr>
-        </p:nvSpPr>
         <p:spPr>
           <a:xfrm>
-            <a:off x="0" y="1447800"/>
-            <a:ext cx="9144000" cy="5410200"/>
+            <a:off x="457200" y="29029"/>
+            <a:ext cx="8229600" cy="1143000"/>
           </a:xfrm>
         </p:spPr>
         <p:txBody>
           <a:bodyPr>
             <a:normAutofit/>
+          </a:bodyPr>
+          <a:lstStyle/>
+          <a:p>
+            <a:r>
+              <a:rPr lang="en-US" dirty="0" smtClean="0"/>
+              <a:t>Requirements: internship vs </a:t>
+            </a:r>
+            <a:r>
+              <a:rPr lang="en-US" dirty="0" smtClean="0"/>
+              <a:t>job</a:t>
+            </a:r>
+            <a:endParaRPr lang="en-US" dirty="0"/>
+          </a:p>
+        </p:txBody>
+      </p:sp>
+      <p:sp>
+        <p:nvSpPr>
+          <p:cNvPr id="3" name="Content Placeholder 2"/>
+          <p:cNvSpPr>
+            <a:spLocks noGrp="1"/>
+          </p:cNvSpPr>
+          <p:nvPr>
+            <p:ph idx="1"/>
+          </p:nvPr>
+        </p:nvSpPr>
+        <p:spPr>
+          <a:xfrm>
+            <a:off x="0" y="685800"/>
+            <a:ext cx="9144000" cy="6172200"/>
+          </a:xfrm>
+        </p:spPr>
+        <p:txBody>
+          <a:bodyPr>
+            <a:normAutofit fontScale="77500" lnSpcReduction="20000"/>
           </a:bodyPr>
           <a:lstStyle/>
           <a:p>
@@ -5373,23 +5418,187 @@
               <a:buChar char="•"/>
             </a:pPr>
             <a:r>
+              <a:rPr lang="en-US" sz="3200" dirty="0">
+                <a:hlinkClick r:id="rId2"/>
+              </a:rPr>
+              <a:t>http://www.stat.ufl.edu/jobs</a:t>
+            </a:r>
+            <a:r>
+              <a:rPr lang="en-US" sz="3200" dirty="0" smtClean="0">
+                <a:hlinkClick r:id="rId2"/>
+              </a:rPr>
+              <a:t>/</a:t>
+            </a:r>
+            <a:r>
               <a:rPr lang="en-US" sz="3200" dirty="0" smtClean="0"/>
-              <a:t>Small groups BREAKOUT – 5 minutes</a:t>
-            </a:r>
-          </a:p>
-          <a:p>
-            <a:pPr marL="742950" lvl="2" indent="-342900"/>
-            <a:r>
-              <a:rPr lang="en-US" dirty="0" smtClean="0"/>
-              <a:t>Find a stat-related internship that hasn’t been shown here</a:t>
-            </a:r>
-          </a:p>
-          <a:p>
-            <a:pPr lvl="2"/>
-            <a:r>
-              <a:rPr lang="en-US" dirty="0" smtClean="0"/>
-              <a:t>Not named google (feel free to use it though!)</a:t>
-            </a:r>
+              <a:t> - great resource</a:t>
+            </a:r>
+          </a:p>
+          <a:p>
+            <a:pPr marL="0" indent="0">
+              <a:buNone/>
+            </a:pPr>
+            <a:endParaRPr lang="en-US" dirty="0" smtClean="0"/>
+          </a:p>
+          <a:p>
+            <a:pPr marL="0" indent="0">
+              <a:buNone/>
+            </a:pPr>
+            <a:r>
+              <a:rPr lang="en-US" b="1" dirty="0" smtClean="0"/>
+              <a:t>Research Scientist, Applied Stats, Facebook</a:t>
+            </a:r>
+          </a:p>
+          <a:p>
+            <a:r>
+              <a:rPr lang="en-US" b="1" dirty="0" smtClean="0"/>
+              <a:t>Position </a:t>
+            </a:r>
+            <a:r>
+              <a:rPr lang="en-US" b="1" dirty="0"/>
+              <a:t>Qualifications:</a:t>
+            </a:r>
+            <a:r>
+              <a:rPr lang="en-US" dirty="0"/>
+              <a:t>  </a:t>
+            </a:r>
+            <a:r>
+              <a:rPr lang="en-US" dirty="0">
+                <a:hlinkClick r:id="rId3"/>
+              </a:rPr>
+              <a:t>http://</a:t>
+            </a:r>
+            <a:r>
+              <a:rPr lang="en-US" dirty="0" smtClean="0">
+                <a:hlinkClick r:id="rId3"/>
+              </a:rPr>
+              <a:t>www.stat.ufl.edu/jobs/job.php?id=11626</a:t>
+            </a:r>
+            <a:r>
+              <a:rPr lang="en-US" dirty="0" smtClean="0"/>
+              <a:t> </a:t>
+            </a:r>
+          </a:p>
+          <a:p>
+            <a:pPr marL="971550" lvl="1" indent="-514350">
+              <a:buFont typeface="+mj-lt"/>
+              <a:buAutoNum type="arabicPeriod"/>
+            </a:pPr>
+            <a:r>
+              <a:rPr lang="en-US" dirty="0" smtClean="0"/>
+              <a:t>MS </a:t>
+            </a:r>
+            <a:r>
+              <a:rPr lang="en-US" dirty="0"/>
+              <a:t>degree in Statistics or related quantitative field with 4+ years of relevant experience, or </a:t>
+            </a:r>
+            <a:r>
+              <a:rPr lang="en-US" dirty="0" err="1"/>
+              <a:t>Ph.D</a:t>
+            </a:r>
+            <a:r>
+              <a:rPr lang="en-US" dirty="0"/>
+              <a:t> degree in Statistics or related quantitative </a:t>
+            </a:r>
+            <a:r>
+              <a:rPr lang="en-US" dirty="0" smtClean="0"/>
+              <a:t>field.</a:t>
+            </a:r>
+          </a:p>
+          <a:p>
+            <a:pPr marL="971550" lvl="1" indent="-514350">
+              <a:buFont typeface="+mj-lt"/>
+              <a:buAutoNum type="arabicPeriod"/>
+            </a:pPr>
+            <a:r>
+              <a:rPr lang="en-US" dirty="0" smtClean="0"/>
+              <a:t>Knowledge </a:t>
+            </a:r>
+            <a:r>
+              <a:rPr lang="en-US" dirty="0"/>
+              <a:t>in Statistical research covering at least one of the following domains: causal inference, experimental design, statistical testing, demography, survey adjustment, time series modeling, hierarchical modeling, statistical testing, </a:t>
+            </a:r>
+            <a:r>
+              <a:rPr lang="en-US" dirty="0" err="1"/>
+              <a:t>spatio</a:t>
+            </a:r>
+            <a:r>
+              <a:rPr lang="en-US" dirty="0"/>
+              <a:t>-temporal modeling, or statistical </a:t>
+            </a:r>
+            <a:r>
+              <a:rPr lang="en-US" dirty="0" smtClean="0"/>
+              <a:t>computing.</a:t>
+            </a:r>
+          </a:p>
+          <a:p>
+            <a:pPr marL="971550" lvl="1" indent="-514350">
+              <a:buFont typeface="+mj-lt"/>
+              <a:buAutoNum type="arabicPeriod"/>
+            </a:pPr>
+            <a:r>
+              <a:rPr lang="en-US" dirty="0" smtClean="0"/>
+              <a:t>Experience </a:t>
+            </a:r>
+            <a:r>
+              <a:rPr lang="en-US" dirty="0"/>
+              <a:t>in analysis and visualization using off-the-shelf statistical computing software such as the R, Stan, Julia, or python </a:t>
+            </a:r>
+            <a:r>
+              <a:rPr lang="en-US" dirty="0" smtClean="0"/>
+              <a:t>varietals.</a:t>
+            </a:r>
+          </a:p>
+          <a:p>
+            <a:pPr marL="971550" lvl="1" indent="-514350">
+              <a:buFont typeface="+mj-lt"/>
+              <a:buAutoNum type="arabicPeriod"/>
+            </a:pPr>
+            <a:r>
+              <a:rPr lang="en-US" dirty="0" smtClean="0">
+                <a:solidFill>
+                  <a:srgbClr val="FF0000"/>
+                </a:solidFill>
+              </a:rPr>
+              <a:t>Experience </a:t>
+            </a:r>
+            <a:r>
+              <a:rPr lang="en-US" dirty="0">
+                <a:solidFill>
+                  <a:srgbClr val="FF0000"/>
+                </a:solidFill>
+              </a:rPr>
+              <a:t>implementing statistical learning algorithms from scratch </a:t>
+            </a:r>
+            <a:r>
+              <a:rPr lang="en-US" dirty="0"/>
+              <a:t>in lower level languages such as C, C++, </a:t>
+            </a:r>
+            <a:r>
+              <a:rPr lang="en-US" dirty="0" smtClean="0"/>
+              <a:t>Java.</a:t>
+            </a:r>
+          </a:p>
+          <a:p>
+            <a:pPr marL="971550" lvl="1" indent="-514350">
+              <a:buFont typeface="+mj-lt"/>
+              <a:buAutoNum type="arabicPeriod"/>
+            </a:pPr>
+            <a:r>
+              <a:rPr lang="en-US" dirty="0" smtClean="0"/>
+              <a:t>Experience </a:t>
+            </a:r>
+            <a:r>
+              <a:rPr lang="en-US" dirty="0"/>
+              <a:t>in scalable dataset assembly / data wrangling.</a:t>
+            </a:r>
+          </a:p>
+          <a:p>
+            <a:pPr marL="342900" lvl="1" indent="-342900">
+              <a:buFont typeface="Arial" panose="020B0604020202020204" pitchFamily="34" charset="0"/>
+              <a:buChar char="•"/>
+            </a:pPr>
+            <a:endParaRPr lang="en-US" dirty="0" smtClean="0"/>
           </a:p>
         </p:txBody>
       </p:sp>
@@ -5440,35 +5649,10 @@
             <p:ph type="title"/>
           </p:nvPr>
         </p:nvSpPr>
-        <p:spPr/>
-        <p:txBody>
-          <a:bodyPr>
-            <a:normAutofit fontScale="90000"/>
-          </a:bodyPr>
-          <a:lstStyle/>
-          <a:p>
-            <a:r>
-              <a:rPr lang="en-US" dirty="0" smtClean="0"/>
-              <a:t>Are you prepared for an internship?</a:t>
-            </a:r>
-            <a:endParaRPr lang="en-US" dirty="0"/>
-          </a:p>
-        </p:txBody>
-      </p:sp>
-      <p:sp>
-        <p:nvSpPr>
-          <p:cNvPr id="3" name="Content Placeholder 2"/>
-          <p:cNvSpPr>
-            <a:spLocks noGrp="1"/>
-          </p:cNvSpPr>
-          <p:nvPr>
-            <p:ph idx="1"/>
-          </p:nvPr>
-        </p:nvSpPr>
         <p:spPr>
           <a:xfrm>
-            <a:off x="152400" y="1600200"/>
-            <a:ext cx="8763000" cy="5257800"/>
+            <a:off x="457200" y="29029"/>
+            <a:ext cx="8229600" cy="1143000"/>
           </a:xfrm>
         </p:spPr>
         <p:txBody>
@@ -5477,20 +5661,286 @@
           </a:bodyPr>
           <a:lstStyle/>
           <a:p>
-            <a:pPr marL="457200" lvl="1" indent="0">
+            <a:r>
+              <a:rPr lang="en-US" dirty="0" smtClean="0"/>
+              <a:t>Requirements: internship vs </a:t>
+            </a:r>
+            <a:r>
+              <a:rPr lang="en-US" dirty="0" smtClean="0"/>
+              <a:t>job</a:t>
+            </a:r>
+            <a:endParaRPr lang="en-US" dirty="0"/>
+          </a:p>
+        </p:txBody>
+      </p:sp>
+      <p:sp>
+        <p:nvSpPr>
+          <p:cNvPr id="3" name="Content Placeholder 2"/>
+          <p:cNvSpPr>
+            <a:spLocks noGrp="1"/>
+          </p:cNvSpPr>
+          <p:nvPr>
+            <p:ph idx="1"/>
+          </p:nvPr>
+        </p:nvSpPr>
+        <p:spPr>
+          <a:xfrm>
+            <a:off x="0" y="838200"/>
+            <a:ext cx="9144000" cy="6019800"/>
+          </a:xfrm>
+        </p:spPr>
+        <p:txBody>
+          <a:bodyPr>
+            <a:normAutofit fontScale="62500" lnSpcReduction="20000"/>
+          </a:bodyPr>
+          <a:lstStyle/>
+          <a:p>
+            <a:pPr marL="342900" lvl="1" indent="-342900">
+              <a:buFont typeface="Arial" panose="020B0604020202020204" pitchFamily="34" charset="0"/>
+              <a:buChar char="•"/>
+            </a:pPr>
+            <a:endParaRPr lang="en-US" sz="3200" dirty="0"/>
+          </a:p>
+          <a:p>
+            <a:pPr marL="0" indent="0">
               <a:buNone/>
             </a:pPr>
+            <a:r>
+              <a:rPr lang="en-US" b="1" dirty="0" smtClean="0"/>
+              <a:t>Biostatistician, </a:t>
+            </a:r>
+            <a:r>
+              <a:rPr lang="en-US" b="1" dirty="0" err="1" smtClean="0"/>
+              <a:t>Tisch</a:t>
+            </a:r>
+            <a:r>
+              <a:rPr lang="en-US" b="1" dirty="0" smtClean="0"/>
+              <a:t> </a:t>
+            </a:r>
+            <a:r>
+              <a:rPr lang="en-US" b="1" dirty="0"/>
+              <a:t>Cancer Institute at Mount Sinai</a:t>
+            </a:r>
+          </a:p>
+          <a:p>
+            <a:pPr marL="0" indent="0">
+              <a:buNone/>
+            </a:pPr>
+            <a:r>
+              <a:rPr lang="en-US" dirty="0" smtClean="0">
+                <a:hlinkClick r:id="rId2"/>
+              </a:rPr>
+              <a:t>http</a:t>
+            </a:r>
+            <a:r>
+              <a:rPr lang="en-US" dirty="0">
+                <a:hlinkClick r:id="rId2"/>
+              </a:rPr>
+              <a:t>://</a:t>
+            </a:r>
+            <a:r>
+              <a:rPr lang="en-US" dirty="0" smtClean="0">
+                <a:hlinkClick r:id="rId2"/>
+              </a:rPr>
+              <a:t>www.stat.ufl.edu/jobs/job.php?id=11663</a:t>
+            </a:r>
+            <a:r>
+              <a:rPr lang="en-US" dirty="0" smtClean="0"/>
+              <a:t> </a:t>
+            </a:r>
+          </a:p>
+          <a:p>
             <a:endParaRPr lang="en-US" dirty="0" smtClean="0"/>
           </a:p>
           <a:p>
+            <a:r>
+              <a:rPr lang="en-US" b="1" dirty="0"/>
+              <a:t>Duties and Responsibilities:</a:t>
+            </a:r>
+            <a:r>
+              <a:rPr lang="en-US" dirty="0"/>
+              <a:t> </a:t>
+            </a:r>
+            <a:endParaRPr lang="en-US" dirty="0" smtClean="0"/>
+          </a:p>
+          <a:p>
+            <a:pPr lvl="1"/>
+            <a:r>
+              <a:rPr lang="en-US" dirty="0" smtClean="0"/>
+              <a:t>…</a:t>
+            </a:r>
+          </a:p>
+          <a:p>
+            <a:pPr lvl="1"/>
+            <a:r>
+              <a:rPr lang="en-US" dirty="0" smtClean="0">
+                <a:solidFill>
+                  <a:schemeClr val="accent4">
+                    <a:lumMod val="75000"/>
+                  </a:schemeClr>
+                </a:solidFill>
+              </a:rPr>
+              <a:t>Conduct</a:t>
+            </a:r>
+            <a:r>
+              <a:rPr lang="en-US" dirty="0">
+                <a:solidFill>
+                  <a:schemeClr val="accent4">
+                    <a:lumMod val="75000"/>
+                  </a:schemeClr>
+                </a:solidFill>
+              </a:rPr>
+              <a:t>, interpret, and report analyses</a:t>
+            </a:r>
+            <a:r>
+              <a:rPr lang="en-US" dirty="0"/>
+              <a:t> of research projects using descriptive statistics, </a:t>
+            </a:r>
+            <a:r>
+              <a:rPr lang="en-US" dirty="0">
+                <a:solidFill>
+                  <a:schemeClr val="accent4">
+                    <a:lumMod val="75000"/>
+                  </a:schemeClr>
+                </a:solidFill>
+              </a:rPr>
+              <a:t>basic inferential tests, and advanced statistical procedures </a:t>
+            </a:r>
+            <a:r>
+              <a:rPr lang="en-US" dirty="0"/>
+              <a:t>under supervision of senior </a:t>
+            </a:r>
+            <a:r>
+              <a:rPr lang="en-US" dirty="0" smtClean="0"/>
+              <a:t>biostatisticians</a:t>
+            </a:r>
+          </a:p>
+          <a:p>
+            <a:pPr lvl="1"/>
+            <a:r>
+              <a:rPr lang="en-US" dirty="0" smtClean="0"/>
+              <a:t>Research </a:t>
+            </a:r>
+            <a:r>
+              <a:rPr lang="en-US" dirty="0"/>
+              <a:t>available methods and software options for various projects, </a:t>
+            </a:r>
+            <a:r>
+              <a:rPr lang="en-US" dirty="0">
+                <a:solidFill>
+                  <a:schemeClr val="accent4">
+                    <a:lumMod val="75000"/>
+                  </a:schemeClr>
+                </a:solidFill>
+              </a:rPr>
+              <a:t>and acquire an understanding of new statistical methods and software as necessary</a:t>
+            </a:r>
+          </a:p>
+          <a:p>
+            <a:r>
+              <a:rPr lang="en-US" b="1" dirty="0"/>
+              <a:t>Position Qualifications:</a:t>
+            </a:r>
+            <a:r>
+              <a:rPr lang="en-US" dirty="0"/>
+              <a:t> Minimum </a:t>
+            </a:r>
+            <a:r>
+              <a:rPr lang="en-US" dirty="0" smtClean="0"/>
+              <a:t>Qualifications:</a:t>
+            </a:r>
+          </a:p>
+          <a:p>
+            <a:pPr lvl="1"/>
+            <a:r>
+              <a:rPr lang="en-US" dirty="0" smtClean="0"/>
+              <a:t>Master's degree in biostatistics, statistics or a related discipline (such as computer science, mathematics)</a:t>
+            </a:r>
             <a:endParaRPr lang="en-US" dirty="0"/>
+          </a:p>
+          <a:p>
+            <a:pPr lvl="1"/>
+            <a:r>
+              <a:rPr lang="en-US" dirty="0" smtClean="0">
+                <a:solidFill>
+                  <a:srgbClr val="FF0000"/>
+                </a:solidFill>
+              </a:rPr>
+              <a:t>A deep understanding of various statistical methods</a:t>
+            </a:r>
+            <a:endParaRPr lang="en-US" dirty="0"/>
+          </a:p>
+          <a:p>
+            <a:pPr lvl="1"/>
+            <a:r>
+              <a:rPr lang="en-US" dirty="0" smtClean="0"/>
+              <a:t>Experience with regression and survival analysis</a:t>
+            </a:r>
+            <a:endParaRPr lang="en-US" dirty="0"/>
+          </a:p>
+          <a:p>
+            <a:pPr lvl="1"/>
+            <a:r>
+              <a:rPr lang="en-US" dirty="0" smtClean="0">
+                <a:solidFill>
+                  <a:srgbClr val="FF0000"/>
+                </a:solidFill>
+              </a:rPr>
+              <a:t>Excellent computer skills </a:t>
+            </a:r>
+            <a:r>
+              <a:rPr lang="en-US" dirty="0" smtClean="0"/>
+              <a:t>including experience with programming in SAS, Stata, and/or R</a:t>
+            </a:r>
+            <a:endParaRPr lang="en-US" dirty="0"/>
+          </a:p>
+          <a:p>
+            <a:pPr lvl="1"/>
+            <a:r>
+              <a:rPr lang="en-US" dirty="0" smtClean="0"/>
+              <a:t>Proficiency with Microsoft (Word, Excel, PowerPoint)</a:t>
+            </a:r>
+            <a:endParaRPr lang="en-US" dirty="0"/>
+          </a:p>
+          <a:p>
+            <a:pPr lvl="1"/>
+            <a:r>
+              <a:rPr lang="en-US" dirty="0" smtClean="0"/>
+              <a:t>Strong organizational skills and attention to detail</a:t>
+            </a:r>
+            <a:endParaRPr lang="en-US" dirty="0"/>
+          </a:p>
+          <a:p>
+            <a:pPr lvl="1"/>
+            <a:r>
+              <a:rPr lang="en-US" dirty="0" smtClean="0"/>
+              <a:t>Excellent written and interpersonal communication skills</a:t>
+            </a:r>
+            <a:endParaRPr lang="en-US" dirty="0"/>
+          </a:p>
+          <a:p>
+            <a:pPr lvl="1"/>
+            <a:r>
+              <a:rPr lang="en-US" dirty="0" smtClean="0"/>
+              <a:t>Ability to work independently, under minimal supervision and as part of a team</a:t>
+            </a:r>
+          </a:p>
+          <a:p>
+            <a:endParaRPr lang="en-US" dirty="0" smtClean="0"/>
+          </a:p>
+          <a:p>
+            <a:pPr marL="342900" lvl="1" indent="-342900">
+              <a:buFont typeface="Arial" panose="020B0604020202020204" pitchFamily="34" charset="0"/>
+              <a:buChar char="•"/>
+            </a:pPr>
+            <a:endParaRPr lang="en-US" dirty="0" smtClean="0"/>
           </a:p>
         </p:txBody>
       </p:sp>
     </p:spTree>
     <p:extLst>
       <p:ext uri="{BB962C8B-B14F-4D97-AF65-F5344CB8AC3E}">
-        <p14:creationId xmlns:p14="http://schemas.microsoft.com/office/powerpoint/2010/main" val="2647760449"/>
+        <p14:creationId xmlns:p14="http://schemas.microsoft.com/office/powerpoint/2010/main" val="4127713101"/>
       </p:ext>
     </p:extLst>
   </p:cSld>
@@ -5536,14 +5986,12 @@
         </p:nvSpPr>
         <p:spPr/>
         <p:txBody>
-          <a:bodyPr>
-            <a:normAutofit fontScale="90000"/>
-          </a:bodyPr>
-          <a:lstStyle/>
-          <a:p>
-            <a:r>
-              <a:rPr lang="en-US" dirty="0" smtClean="0"/>
-              <a:t>Are you prepared for an internship?</a:t>
+          <a:bodyPr/>
+          <a:lstStyle/>
+          <a:p>
+            <a:r>
+              <a:rPr lang="en-US" dirty="0"/>
+              <a:t>Requirements: internship vs job</a:t>
             </a:r>
             <a:endParaRPr lang="en-US" dirty="0"/>
           </a:p>
@@ -5561,8 +6009,8 @@
         </p:nvSpPr>
         <p:spPr>
           <a:xfrm>
-            <a:off x="152400" y="1600200"/>
-            <a:ext cx="8763000" cy="5257800"/>
+            <a:off x="0" y="1447800"/>
+            <a:ext cx="9144000" cy="5410200"/>
           </a:xfrm>
         </p:spPr>
         <p:txBody>
@@ -5571,18 +6019,49 @@
           </a:bodyPr>
           <a:lstStyle/>
           <a:p>
-            <a:r>
-              <a:rPr lang="en-US" dirty="0" smtClean="0"/>
-              <a:t>Yes</a:t>
-            </a:r>
-            <a:endParaRPr lang="en-US" dirty="0"/>
+            <a:pPr marL="342900" lvl="1" indent="-342900">
+              <a:buFont typeface="Arial" panose="020B0604020202020204" pitchFamily="34" charset="0"/>
+              <a:buChar char="•"/>
+            </a:pPr>
+            <a:endParaRPr lang="en-US" sz="3200" dirty="0"/>
+          </a:p>
+          <a:p>
+            <a:pPr marL="342900" lvl="1" indent="-342900">
+              <a:buFont typeface="Arial" panose="020B0604020202020204" pitchFamily="34" charset="0"/>
+              <a:buChar char="•"/>
+            </a:pPr>
+            <a:r>
+              <a:rPr lang="en-US" dirty="0" smtClean="0"/>
+              <a:t>Note the difference in degrees of difficulty in the requirements</a:t>
+            </a:r>
+          </a:p>
+          <a:p>
+            <a:pPr marL="342900" lvl="1" indent="-342900">
+              <a:buFont typeface="Arial" panose="020B0604020202020204" pitchFamily="34" charset="0"/>
+              <a:buChar char="•"/>
+            </a:pPr>
+            <a:r>
+              <a:rPr lang="en-US" dirty="0" smtClean="0"/>
+              <a:t>Internships are designed for students to gain valuable experience and to learn</a:t>
+            </a:r>
+          </a:p>
+          <a:p>
+            <a:pPr marL="342900" lvl="1" indent="-342900">
+              <a:buFont typeface="Arial" panose="020B0604020202020204" pitchFamily="34" charset="0"/>
+              <a:buChar char="•"/>
+            </a:pPr>
+            <a:r>
+              <a:rPr lang="en-US" dirty="0" smtClean="0"/>
+              <a:t>(they’re also long-term hiring strategies for companies)</a:t>
+            </a:r>
+            <a:endParaRPr lang="en-US" dirty="0" smtClean="0"/>
           </a:p>
         </p:txBody>
       </p:sp>
     </p:spTree>
     <p:extLst>
       <p:ext uri="{BB962C8B-B14F-4D97-AF65-F5344CB8AC3E}">
-        <p14:creationId xmlns:p14="http://schemas.microsoft.com/office/powerpoint/2010/main" val="3869722101"/>
+        <p14:creationId xmlns:p14="http://schemas.microsoft.com/office/powerpoint/2010/main" val="2830814543"/>
       </p:ext>
     </p:extLst>
   </p:cSld>
@@ -5635,7 +6114,7 @@
           <a:p>
             <a:r>
               <a:rPr lang="en-US" dirty="0" smtClean="0"/>
-              <a:t>Are you prepared for an internship?</a:t>
+              <a:t>What other internships are out there?</a:t>
             </a:r>
             <a:endParaRPr lang="en-US" dirty="0"/>
           </a:p>
@@ -5653,8 +6132,8 @@
         </p:nvSpPr>
         <p:spPr>
           <a:xfrm>
-            <a:off x="152400" y="1600200"/>
-            <a:ext cx="8763000" cy="5257800"/>
+            <a:off x="0" y="1447800"/>
+            <a:ext cx="9144000" cy="5410200"/>
           </a:xfrm>
         </p:spPr>
         <p:txBody>
@@ -5663,32 +6142,42 @@
           </a:bodyPr>
           <a:lstStyle/>
           <a:p>
-            <a:r>
-              <a:rPr lang="en-US" dirty="0" smtClean="0"/>
-              <a:t>Yes</a:t>
-            </a:r>
-          </a:p>
-          <a:p>
-            <a:r>
-              <a:rPr lang="en-US" dirty="0" smtClean="0"/>
-              <a:t>(perhaps not the one requiring 5</a:t>
-            </a:r>
-            <a:r>
-              <a:rPr lang="en-US" baseline="30000" dirty="0" smtClean="0"/>
-              <a:t>th</a:t>
-            </a:r>
-            <a:r>
-              <a:rPr lang="en-US" dirty="0" smtClean="0"/>
-              <a:t> year PhD with experience in C++ and Hadoop)</a:t>
-            </a:r>
-            <a:endParaRPr lang="en-US" dirty="0"/>
+            <a:pPr marL="342900" lvl="1" indent="-342900">
+              <a:buFont typeface="Arial" panose="020B0604020202020204" pitchFamily="34" charset="0"/>
+              <a:buChar char="•"/>
+            </a:pPr>
+            <a:endParaRPr lang="en-US" sz="3200" dirty="0"/>
+          </a:p>
+          <a:p>
+            <a:pPr marL="342900" lvl="1" indent="-342900">
+              <a:buFont typeface="Arial" panose="020B0604020202020204" pitchFamily="34" charset="0"/>
+              <a:buChar char="•"/>
+            </a:pPr>
+            <a:r>
+              <a:rPr lang="en-US" sz="3200" dirty="0" smtClean="0"/>
+              <a:t>Small groups BREAKOUT – 5 minutes</a:t>
+            </a:r>
+          </a:p>
+          <a:p>
+            <a:pPr marL="742950" lvl="2" indent="-342900"/>
+            <a:r>
+              <a:rPr lang="en-US" dirty="0" smtClean="0"/>
+              <a:t>Find a stat-related internship that hasn’t been shown here</a:t>
+            </a:r>
+          </a:p>
+          <a:p>
+            <a:pPr lvl="2"/>
+            <a:r>
+              <a:rPr lang="en-US" dirty="0" smtClean="0"/>
+              <a:t>Not named google (feel free to use it though!)</a:t>
+            </a:r>
           </a:p>
         </p:txBody>
       </p:sp>
     </p:spTree>
     <p:extLst>
       <p:ext uri="{BB962C8B-B14F-4D97-AF65-F5344CB8AC3E}">
-        <p14:creationId xmlns:p14="http://schemas.microsoft.com/office/powerpoint/2010/main" val="3537628974"/>
+        <p14:creationId xmlns:p14="http://schemas.microsoft.com/office/powerpoint/2010/main" val="3008438479"/>
       </p:ext>
     </p:extLst>
   </p:cSld>
@@ -5740,8 +6229,8 @@
           <a:lstStyle/>
           <a:p>
             <a:r>
-              <a:rPr lang="en-US" dirty="0" smtClean="0"/>
-              <a:t>Are you prepared for an internship?</a:t>
+              <a:rPr lang="en-US" dirty="0"/>
+              <a:t>So are you prepared for an internship?</a:t>
             </a:r>
             <a:endParaRPr lang="en-US" dirty="0"/>
           </a:p>
@@ -5769,53 +6258,6 @@
           </a:bodyPr>
           <a:lstStyle/>
           <a:p>
-            <a:r>
-              <a:rPr lang="en-US" dirty="0" smtClean="0"/>
-              <a:t>Yes</a:t>
-            </a:r>
-          </a:p>
-          <a:p>
-            <a:r>
-              <a:rPr lang="en-US" dirty="0" smtClean="0"/>
-              <a:t>(perhaps not the one requiring 5</a:t>
-            </a:r>
-            <a:r>
-              <a:rPr lang="en-US" baseline="30000" dirty="0" smtClean="0"/>
-              <a:t>th</a:t>
-            </a:r>
-            <a:r>
-              <a:rPr lang="en-US" dirty="0" smtClean="0"/>
-              <a:t> year PhD with experience in C++ and Hadoop)</a:t>
-            </a:r>
-          </a:p>
-          <a:p>
-            <a:r>
-              <a:rPr lang="en-US" dirty="0" smtClean="0"/>
-              <a:t>What do you stand to lose?</a:t>
-            </a:r>
-          </a:p>
-          <a:p>
-            <a:pPr lvl="1"/>
-            <a:r>
-              <a:rPr lang="en-US" dirty="0" smtClean="0"/>
-              <a:t>Takes time to put together resume/cover letter</a:t>
-            </a:r>
-          </a:p>
-          <a:p>
-            <a:pPr lvl="1"/>
-            <a:r>
-              <a:rPr lang="en-US" dirty="0" smtClean="0"/>
-              <a:t>If only you had a 3 week break coming up…</a:t>
-            </a:r>
-          </a:p>
-          <a:p>
-            <a:pPr lvl="1"/>
-            <a:r>
-              <a:rPr lang="en-US" dirty="0" smtClean="0"/>
-              <a:t>UNC Career Services Drop-In hours: Improve your application in 30 minutes!</a:t>
-            </a:r>
-          </a:p>
-          <a:p>
             <a:pPr marL="457200" lvl="1" indent="0">
               <a:buNone/>
             </a:pPr>
@@ -5829,7 +6271,7 @@
     </p:spTree>
     <p:extLst>
       <p:ext uri="{BB962C8B-B14F-4D97-AF65-F5344CB8AC3E}">
-        <p14:creationId xmlns:p14="http://schemas.microsoft.com/office/powerpoint/2010/main" val="1166663800"/>
+        <p14:creationId xmlns:p14="http://schemas.microsoft.com/office/powerpoint/2010/main" val="2647760449"/>
       </p:ext>
     </p:extLst>
   </p:cSld>
@@ -6006,8 +6448,8 @@
           <a:lstStyle/>
           <a:p>
             <a:r>
-              <a:rPr lang="en-US" dirty="0" smtClean="0"/>
-              <a:t>Are you prepared for an internship?</a:t>
+              <a:rPr lang="en-US" dirty="0"/>
+              <a:t>So are you prepared for an internship?</a:t>
             </a:r>
             <a:endParaRPr lang="en-US" dirty="0"/>
           </a:p>
@@ -6037,67 +6479,8 @@
           <a:p>
             <a:r>
               <a:rPr lang="en-US" dirty="0" smtClean="0"/>
-              <a:t>Small groups BREAKOUT – 10 minutes</a:t>
-            </a:r>
-          </a:p>
-          <a:p>
-            <a:pPr lvl="1"/>
-            <a:r>
-              <a:rPr lang="en-US" dirty="0" smtClean="0"/>
-              <a:t>Q&amp;A with former internship-</a:t>
-            </a:r>
-            <a:r>
-              <a:rPr lang="en-US" dirty="0" err="1" smtClean="0"/>
-              <a:t>havers</a:t>
-            </a:r>
-            <a:endParaRPr lang="en-US" dirty="0" smtClean="0"/>
-          </a:p>
-          <a:p>
-            <a:pPr lvl="1"/>
-            <a:endParaRPr lang="en-US" dirty="0" smtClean="0"/>
-          </a:p>
-          <a:p>
-            <a:r>
-              <a:rPr lang="en-US" dirty="0" smtClean="0"/>
-              <a:t>Consider asking:</a:t>
-            </a:r>
-          </a:p>
-          <a:p>
-            <a:pPr lvl="1"/>
-            <a:r>
-              <a:rPr lang="en-US" dirty="0" smtClean="0"/>
-              <a:t>What surprised you?</a:t>
-            </a:r>
-          </a:p>
-          <a:p>
-            <a:pPr lvl="1"/>
-            <a:r>
-              <a:rPr lang="en-US" dirty="0" smtClean="0"/>
-              <a:t>What were you unprepared for?</a:t>
-            </a:r>
-          </a:p>
-          <a:p>
-            <a:pPr lvl="1"/>
-            <a:r>
-              <a:rPr lang="en-US" dirty="0" smtClean="0"/>
-              <a:t>What were you surprisingly good at?</a:t>
-            </a:r>
-          </a:p>
-          <a:p>
-            <a:pPr lvl="1"/>
-            <a:r>
-              <a:rPr lang="en-US" dirty="0" smtClean="0"/>
-              <a:t>How did you improve as statistician?</a:t>
-            </a:r>
-          </a:p>
-          <a:p>
-            <a:pPr lvl="1"/>
-            <a:r>
-              <a:rPr lang="en-US" dirty="0" smtClean="0"/>
-              <a:t>Why are you more prepared for job now?</a:t>
-            </a:r>
-          </a:p>
-          <a:p>
+              <a:t>Yes</a:t>
+            </a:r>
             <a:endParaRPr lang="en-US" dirty="0"/>
           </a:p>
         </p:txBody>
@@ -6105,7 +6488,7 @@
     </p:spTree>
     <p:extLst>
       <p:ext uri="{BB962C8B-B14F-4D97-AF65-F5344CB8AC3E}">
-        <p14:creationId xmlns:p14="http://schemas.microsoft.com/office/powerpoint/2010/main" val="1256060348"/>
+        <p14:creationId xmlns:p14="http://schemas.microsoft.com/office/powerpoint/2010/main" val="3869722101"/>
       </p:ext>
     </p:extLst>
   </p:cSld>
@@ -6151,12 +6534,14 @@
         </p:nvSpPr>
         <p:spPr/>
         <p:txBody>
-          <a:bodyPr/>
-          <a:lstStyle/>
-          <a:p>
-            <a:r>
-              <a:rPr lang="en-US" dirty="0" smtClean="0"/>
-              <a:t>How to get that internship</a:t>
+          <a:bodyPr>
+            <a:normAutofit fontScale="90000"/>
+          </a:bodyPr>
+          <a:lstStyle/>
+          <a:p>
+            <a:r>
+              <a:rPr lang="en-US" dirty="0"/>
+              <a:t>So are you prepared for an internship?</a:t>
             </a:r>
             <a:endParaRPr lang="en-US" dirty="0"/>
           </a:p>
@@ -6174,156 +6559,42 @@
         </p:nvSpPr>
         <p:spPr>
           <a:xfrm>
-            <a:off x="228600" y="1143000"/>
-            <a:ext cx="8991600" cy="5562600"/>
+            <a:off x="152400" y="1600200"/>
+            <a:ext cx="8763000" cy="5257800"/>
           </a:xfrm>
         </p:spPr>
         <p:txBody>
           <a:bodyPr>
-            <a:normAutofit fontScale="92500" lnSpcReduction="20000"/>
+            <a:normAutofit/>
           </a:bodyPr>
           <a:lstStyle/>
           <a:p>
             <a:r>
               <a:rPr lang="en-US" dirty="0" smtClean="0"/>
-              <a:t>Being a good intern </a:t>
-            </a:r>
-            <a:r>
-              <a:rPr lang="en-US" sz="3500" b="1" dirty="0" smtClean="0">
-                <a:solidFill>
-                  <a:srgbClr val="C00000"/>
-                </a:solidFill>
-              </a:rPr>
-              <a:t>≠</a:t>
-            </a:r>
-            <a:r>
-              <a:rPr lang="en-US" dirty="0" smtClean="0"/>
-              <a:t> being a good applicant</a:t>
-            </a:r>
-          </a:p>
-          <a:p>
-            <a:r>
-              <a:rPr lang="en-US" dirty="0" smtClean="0"/>
-              <a:t>Applicant needs to convince the organization that they will be a good intern</a:t>
-            </a:r>
-          </a:p>
-          <a:p>
-            <a:pPr lvl="1"/>
-            <a:r>
-              <a:rPr lang="en-US" dirty="0" smtClean="0"/>
-              <a:t>Are you going to be a good hire when you’re graduating?</a:t>
-            </a:r>
-          </a:p>
-          <a:p>
-            <a:pPr lvl="1"/>
-            <a:r>
-              <a:rPr lang="en-US" dirty="0" smtClean="0"/>
-              <a:t>Can you show you’re going to learn well over next 10 </a:t>
-            </a:r>
-            <a:r>
-              <a:rPr lang="en-US" dirty="0" err="1" smtClean="0"/>
-              <a:t>wks</a:t>
-            </a:r>
-            <a:r>
-              <a:rPr lang="en-US" dirty="0" smtClean="0"/>
-              <a:t>?</a:t>
-            </a:r>
-          </a:p>
-          <a:p>
-            <a:pPr marL="457200" lvl="1" indent="0">
-              <a:buNone/>
-            </a:pPr>
-            <a:endParaRPr lang="en-US" dirty="0" smtClean="0"/>
-          </a:p>
-          <a:p>
-            <a:r>
-              <a:rPr lang="en-US" b="1" dirty="0">
-                <a:hlinkClick r:id="rId2"/>
-              </a:rPr>
-              <a:t>Key Strategies for a Successful Analytics Job Search</a:t>
-            </a:r>
-            <a:endParaRPr lang="en-US" b="1" dirty="0"/>
-          </a:p>
-          <a:p>
-            <a:pPr lvl="2"/>
-            <a:r>
-              <a:rPr lang="en-US" dirty="0" smtClean="0">
-                <a:hlinkClick r:id="rId2"/>
-              </a:rPr>
-              <a:t>http</a:t>
-            </a:r>
-            <a:r>
-              <a:rPr lang="en-US" dirty="0">
-                <a:hlinkClick r:id="rId2"/>
-              </a:rPr>
-              <a:t>://</a:t>
-            </a:r>
-            <a:r>
-              <a:rPr lang="en-US" dirty="0" smtClean="0">
-                <a:hlinkClick r:id="rId2"/>
-              </a:rPr>
-              <a:t>stattrak.amstat.org/2016/05/02/jobstrats-may16/</a:t>
-            </a:r>
-            <a:endParaRPr lang="en-US" dirty="0" smtClean="0"/>
-          </a:p>
-          <a:p>
-            <a:r>
-              <a:rPr lang="en-US" sz="2600" dirty="0"/>
-              <a:t>1. Write a</a:t>
-            </a:r>
-            <a:r>
-              <a:rPr lang="en-US" sz="2600" dirty="0" smtClean="0"/>
-              <a:t> concise and relevant resume (and cover letter)</a:t>
-            </a:r>
-          </a:p>
-          <a:p>
-            <a:r>
-              <a:rPr lang="en-US" sz="2600" dirty="0" smtClean="0"/>
-              <a:t>2</a:t>
-            </a:r>
-            <a:r>
-              <a:rPr lang="en-US" sz="2600" dirty="0"/>
-              <a:t>. </a:t>
-            </a:r>
-            <a:r>
-              <a:rPr lang="en-US" sz="2600" dirty="0" smtClean="0"/>
-              <a:t>Have a professional social media presence</a:t>
-            </a:r>
-          </a:p>
-          <a:p>
-            <a:r>
-              <a:rPr lang="en-US" sz="2600" dirty="0" smtClean="0"/>
-              <a:t>3. Research potential employers before the interview</a:t>
-            </a:r>
-          </a:p>
-          <a:p>
-            <a:r>
-              <a:rPr lang="en-US" sz="2600" dirty="0" smtClean="0"/>
-              <a:t>4. Avoid being overly casual or presumptuous in interviews</a:t>
-            </a:r>
-          </a:p>
-          <a:p>
-            <a:r>
-              <a:rPr lang="en-US" sz="2600" dirty="0" smtClean="0"/>
-              <a:t>5. Follow up after interviews</a:t>
-            </a:r>
-          </a:p>
-          <a:p>
-            <a:r>
-              <a:rPr lang="en-US" sz="2600" dirty="0" smtClean="0"/>
-              <a:t>Etc.</a:t>
-            </a:r>
-          </a:p>
-          <a:p>
-            <a:pPr lvl="1"/>
-            <a:endParaRPr lang="en-US" dirty="0" smtClean="0"/>
+              <a:t>Yes</a:t>
+            </a:r>
+          </a:p>
+          <a:p>
+            <a:r>
+              <a:rPr lang="en-US" dirty="0" smtClean="0"/>
+              <a:t>(perhaps not the one requiring 5</a:t>
+            </a:r>
+            <a:r>
+              <a:rPr lang="en-US" baseline="30000" dirty="0" smtClean="0"/>
+              <a:t>th</a:t>
+            </a:r>
+            <a:r>
+              <a:rPr lang="en-US" dirty="0" smtClean="0"/>
+              <a:t> year PhD with experience in C++ and Hadoop)</a:t>
+            </a:r>
+            <a:endParaRPr lang="en-US" dirty="0"/>
           </a:p>
         </p:txBody>
       </p:sp>
     </p:spTree>
     <p:extLst>
       <p:ext uri="{BB962C8B-B14F-4D97-AF65-F5344CB8AC3E}">
-        <p14:creationId xmlns:p14="http://schemas.microsoft.com/office/powerpoint/2010/main" val="1182332384"/>
+        <p14:creationId xmlns:p14="http://schemas.microsoft.com/office/powerpoint/2010/main" val="3537628974"/>
       </p:ext>
     </p:extLst>
   </p:cSld>
@@ -6369,12 +6640,26 @@
         </p:nvSpPr>
         <p:spPr/>
         <p:txBody>
-          <a:bodyPr/>
-          <a:lstStyle/>
-          <a:p>
-            <a:r>
-              <a:rPr lang="en-US" dirty="0" smtClean="0"/>
-              <a:t>How to get that internship</a:t>
+          <a:bodyPr>
+            <a:normAutofit fontScale="90000"/>
+          </a:bodyPr>
+          <a:lstStyle/>
+          <a:p>
+            <a:r>
+              <a:rPr lang="en-US" dirty="0" smtClean="0"/>
+              <a:t>So </a:t>
+            </a:r>
+            <a:r>
+              <a:rPr lang="en-US" dirty="0"/>
+              <a:t>a</a:t>
+            </a:r>
+            <a:r>
+              <a:rPr lang="en-US" dirty="0" smtClean="0"/>
+              <a:t>re </a:t>
+            </a:r>
+            <a:r>
+              <a:rPr lang="en-US" dirty="0" smtClean="0"/>
+              <a:t>you prepared for an internship?</a:t>
             </a:r>
             <a:endParaRPr lang="en-US" dirty="0"/>
           </a:p>
@@ -6392,242 +6677,69 @@
         </p:nvSpPr>
         <p:spPr>
           <a:xfrm>
-            <a:off x="152400" y="1371600"/>
-            <a:ext cx="8991600" cy="5181600"/>
+            <a:off x="152400" y="1600200"/>
+            <a:ext cx="8763000" cy="5257800"/>
           </a:xfrm>
         </p:spPr>
         <p:txBody>
           <a:bodyPr>
-            <a:normAutofit fontScale="85000" lnSpcReduction="10000"/>
+            <a:normAutofit/>
           </a:bodyPr>
           <a:lstStyle/>
           <a:p>
             <a:r>
-              <a:rPr lang="en-US" b="1" dirty="0">
-                <a:hlinkClick r:id="rId2"/>
-              </a:rPr>
-              <a:t>10 Tips for Securing a Summer </a:t>
-            </a:r>
-            <a:r>
-              <a:rPr lang="en-US" b="1" dirty="0" smtClean="0">
-                <a:hlinkClick r:id="rId2"/>
-              </a:rPr>
-              <a:t>Internship</a:t>
-            </a:r>
-            <a:endParaRPr lang="en-US" b="1" dirty="0" smtClean="0"/>
+              <a:rPr lang="en-US" dirty="0" smtClean="0"/>
+              <a:t>Yes</a:t>
+            </a:r>
+          </a:p>
+          <a:p>
+            <a:r>
+              <a:rPr lang="en-US" dirty="0" smtClean="0"/>
+              <a:t>(perhaps not the one requiring 5</a:t>
+            </a:r>
+            <a:r>
+              <a:rPr lang="en-US" baseline="30000" dirty="0" smtClean="0"/>
+              <a:t>th</a:t>
+            </a:r>
+            <a:r>
+              <a:rPr lang="en-US" dirty="0" smtClean="0"/>
+              <a:t> year PhD with experience in C++ and Hadoop)</a:t>
+            </a:r>
+          </a:p>
+          <a:p>
+            <a:r>
+              <a:rPr lang="en-US" dirty="0" smtClean="0"/>
+              <a:t>What do you stand to lose?</a:t>
+            </a:r>
           </a:p>
           <a:p>
             <a:pPr lvl="1"/>
             <a:r>
-              <a:rPr lang="en-US" dirty="0" smtClean="0">
-                <a:hlinkClick r:id="rId2"/>
-              </a:rPr>
-              <a:t>http</a:t>
-            </a:r>
-            <a:r>
-              <a:rPr lang="en-US" dirty="0">
-                <a:hlinkClick r:id="rId2"/>
-              </a:rPr>
-              <a:t>://</a:t>
-            </a:r>
-            <a:r>
-              <a:rPr lang="en-US" dirty="0" smtClean="0">
-                <a:hlinkClick r:id="rId2"/>
-              </a:rPr>
-              <a:t>stattrak.amstat.org/2013/12/01/summerinternshiptips/</a:t>
-            </a:r>
+              <a:rPr lang="en-US" dirty="0" smtClean="0"/>
+              <a:t>Takes time to put together resume/cover letter</a:t>
+            </a:r>
+          </a:p>
+          <a:p>
+            <a:pPr lvl="1"/>
+            <a:r>
+              <a:rPr lang="en-US" dirty="0" smtClean="0"/>
+              <a:t>If only you had a 3 week break coming up…</a:t>
+            </a:r>
+          </a:p>
+          <a:p>
+            <a:pPr lvl="1"/>
+            <a:r>
+              <a:rPr lang="en-US" dirty="0" smtClean="0"/>
+              <a:t>UNC Career Services Drop-In hours: Improve your application in 30 minutes!</a:t>
+            </a:r>
+          </a:p>
+          <a:p>
+            <a:pPr marL="457200" lvl="1" indent="0">
+              <a:buNone/>
+            </a:pPr>
             <a:endParaRPr lang="en-US" dirty="0" smtClean="0"/>
           </a:p>
           <a:p>
-            <a:pPr marL="514350" indent="-514350">
-              <a:buFont typeface="+mj-lt"/>
-              <a:buAutoNum type="arabicPeriod"/>
-            </a:pPr>
-            <a:r>
-              <a:rPr lang="en-US" sz="2600" b="1" dirty="0" smtClean="0">
-                <a:solidFill>
-                  <a:srgbClr val="0070C0"/>
-                </a:solidFill>
-              </a:rPr>
-              <a:t>Read </a:t>
-            </a:r>
-            <a:r>
-              <a:rPr lang="en-US" sz="2600" b="1" dirty="0">
-                <a:solidFill>
-                  <a:srgbClr val="0070C0"/>
-                </a:solidFill>
-              </a:rPr>
-              <a:t>the position description carefully</a:t>
-            </a:r>
-          </a:p>
-          <a:p>
-            <a:pPr marL="514350" indent="-514350">
-              <a:buFont typeface="+mj-lt"/>
-              <a:buAutoNum type="arabicPeriod"/>
-            </a:pPr>
-            <a:r>
-              <a:rPr lang="en-US" sz="2600" b="1" dirty="0" smtClean="0">
-                <a:solidFill>
-                  <a:srgbClr val="0070C0"/>
-                </a:solidFill>
-              </a:rPr>
-              <a:t>Customize </a:t>
-            </a:r>
-            <a:r>
-              <a:rPr lang="en-US" sz="2600" b="1" dirty="0">
-                <a:solidFill>
-                  <a:srgbClr val="0070C0"/>
-                </a:solidFill>
-              </a:rPr>
-              <a:t>your résumé for the job. </a:t>
-            </a:r>
-          </a:p>
-          <a:p>
-            <a:pPr marL="514350" indent="-514350">
-              <a:buFont typeface="+mj-lt"/>
-              <a:buAutoNum type="arabicPeriod"/>
-            </a:pPr>
-            <a:r>
-              <a:rPr lang="en-US" sz="2600" dirty="0" smtClean="0"/>
-              <a:t>Format </a:t>
-            </a:r>
-            <a:r>
-              <a:rPr lang="en-US" sz="2600" dirty="0"/>
-              <a:t>your résumé to make it clear and easy to read</a:t>
-            </a:r>
-            <a:r>
-              <a:rPr lang="en-US" sz="2600" dirty="0" smtClean="0"/>
-              <a:t>.</a:t>
-            </a:r>
-            <a:endParaRPr lang="en-US" sz="2600" dirty="0"/>
-          </a:p>
-          <a:p>
-            <a:pPr marL="514350" indent="-514350">
-              <a:buFont typeface="+mj-lt"/>
-              <a:buAutoNum type="arabicPeriod"/>
-            </a:pPr>
-            <a:r>
-              <a:rPr lang="en-US" sz="2600" dirty="0" smtClean="0"/>
-              <a:t>Be </a:t>
-            </a:r>
-            <a:r>
-              <a:rPr lang="en-US" sz="2600" dirty="0"/>
-              <a:t>clear on your résumé about the skills, projects, and duties you have </a:t>
-            </a:r>
-            <a:r>
-              <a:rPr lang="en-US" sz="2600" dirty="0" smtClean="0"/>
-              <a:t>performed </a:t>
-            </a:r>
-            <a:r>
-              <a:rPr lang="en-US" sz="2600" dirty="0"/>
-              <a:t>in previous positions/school projects</a:t>
-            </a:r>
-            <a:r>
-              <a:rPr lang="en-US" sz="2600" dirty="0" smtClean="0"/>
-              <a:t>.</a:t>
-            </a:r>
-          </a:p>
-          <a:p>
-            <a:pPr marL="514350" indent="-514350">
-              <a:buFont typeface="+mj-lt"/>
-              <a:buAutoNum type="arabicPeriod"/>
-            </a:pPr>
-            <a:r>
-              <a:rPr lang="en-US" sz="2600" dirty="0" smtClean="0"/>
-              <a:t>Ensure </a:t>
-            </a:r>
-            <a:r>
-              <a:rPr lang="en-US" sz="2600" dirty="0"/>
-              <a:t>your contact information is </a:t>
-            </a:r>
-            <a:r>
-              <a:rPr lang="en-US" sz="2600" dirty="0" smtClean="0"/>
-              <a:t>accurate</a:t>
-            </a:r>
-          </a:p>
-          <a:p>
-            <a:pPr marL="514350" indent="-514350">
-              <a:buFont typeface="+mj-lt"/>
-              <a:buAutoNum type="arabicPeriod"/>
-            </a:pPr>
-            <a:r>
-              <a:rPr lang="en-US" sz="2600" dirty="0" smtClean="0"/>
-              <a:t>Make the deadline.</a:t>
-            </a:r>
-            <a:endParaRPr lang="en-US" sz="2600" dirty="0"/>
-          </a:p>
-          <a:p>
-            <a:pPr marL="514350" indent="-514350">
-              <a:buFont typeface="+mj-lt"/>
-              <a:buAutoNum type="arabicPeriod"/>
-            </a:pPr>
-            <a:r>
-              <a:rPr lang="en-US" sz="2600" b="1" dirty="0" smtClean="0">
-                <a:solidFill>
-                  <a:srgbClr val="0070C0"/>
-                </a:solidFill>
-              </a:rPr>
-              <a:t>Write </a:t>
-            </a:r>
-            <a:r>
-              <a:rPr lang="en-US" sz="2600" b="1" dirty="0">
-                <a:solidFill>
-                  <a:srgbClr val="0070C0"/>
-                </a:solidFill>
-              </a:rPr>
-              <a:t>a cover letter that is specific to the position.</a:t>
-            </a:r>
-          </a:p>
-          <a:p>
-            <a:pPr marL="514350" indent="-514350">
-              <a:buFont typeface="+mj-lt"/>
-              <a:buAutoNum type="arabicPeriod"/>
-            </a:pPr>
-            <a:r>
-              <a:rPr lang="en-US" sz="2600" dirty="0" smtClean="0"/>
-              <a:t>Proofread </a:t>
-            </a:r>
-            <a:r>
-              <a:rPr lang="en-US" sz="2600" dirty="0"/>
-              <a:t>your résumé and cover letter</a:t>
-            </a:r>
-            <a:r>
-              <a:rPr lang="en-US" sz="2600" dirty="0" smtClean="0"/>
-              <a:t>.</a:t>
-            </a:r>
-            <a:endParaRPr lang="en-US" sz="2600" dirty="0"/>
-          </a:p>
-          <a:p>
-            <a:pPr marL="514350" indent="-514350">
-              <a:buFont typeface="+mj-lt"/>
-              <a:buAutoNum type="arabicPeriod"/>
-            </a:pPr>
-            <a:r>
-              <a:rPr lang="en-US" sz="2600" dirty="0" smtClean="0"/>
-              <a:t>Save </a:t>
-            </a:r>
-            <a:r>
-              <a:rPr lang="en-US" sz="2600" dirty="0"/>
-              <a:t>or print positions for which you apply. </a:t>
-            </a:r>
-            <a:endParaRPr lang="en-US" sz="2600" dirty="0" smtClean="0"/>
-          </a:p>
-          <a:p>
-            <a:pPr marL="514350" indent="-514350">
-              <a:buFont typeface="+mj-lt"/>
-              <a:buAutoNum type="arabicPeriod"/>
-            </a:pPr>
-            <a:r>
-              <a:rPr lang="en-US" sz="2600" dirty="0" smtClean="0"/>
-              <a:t>Be </a:t>
-            </a:r>
-            <a:r>
-              <a:rPr lang="en-US" sz="2600" dirty="0"/>
-              <a:t>prepared with specific questions to ask during initial phone screens and interviews.</a:t>
-            </a:r>
-          </a:p>
-          <a:p>
-            <a:pPr lvl="1"/>
             <a:endParaRPr lang="en-US" dirty="0"/>
           </a:p>
         </p:txBody>
@@ -6635,7 +6747,7 @@
     </p:spTree>
     <p:extLst>
       <p:ext uri="{BB962C8B-B14F-4D97-AF65-F5344CB8AC3E}">
-        <p14:creationId xmlns:p14="http://schemas.microsoft.com/office/powerpoint/2010/main" val="3835501288"/>
+        <p14:creationId xmlns:p14="http://schemas.microsoft.com/office/powerpoint/2010/main" val="1166663800"/>
       </p:ext>
     </p:extLst>
   </p:cSld>
@@ -6681,12 +6793,14 @@
         </p:nvSpPr>
         <p:spPr/>
         <p:txBody>
-          <a:bodyPr/>
-          <a:lstStyle/>
-          <a:p>
-            <a:r>
-              <a:rPr lang="en-US" dirty="0" smtClean="0"/>
-              <a:t>How to get that internship</a:t>
+          <a:bodyPr>
+            <a:normAutofit fontScale="90000"/>
+          </a:bodyPr>
+          <a:lstStyle/>
+          <a:p>
+            <a:r>
+              <a:rPr lang="en-US" dirty="0"/>
+              <a:t>So are you prepared for an internship?</a:t>
             </a:r>
             <a:endParaRPr lang="en-US" dirty="0"/>
           </a:p>
@@ -6704,8 +6818,8 @@
         </p:nvSpPr>
         <p:spPr>
           <a:xfrm>
-            <a:off x="381000" y="1371600"/>
-            <a:ext cx="8458200" cy="5486400"/>
+            <a:off x="152400" y="1600200"/>
+            <a:ext cx="8763000" cy="5257800"/>
           </a:xfrm>
         </p:spPr>
         <p:txBody>
@@ -6716,29 +6830,75 @@
           <a:p>
             <a:r>
               <a:rPr lang="en-US" dirty="0" smtClean="0"/>
-              <a:t>Resume/CV and cover letter work together</a:t>
+              <a:t>Small groups BREAKOUT – 10 minutes</a:t>
             </a:r>
           </a:p>
           <a:p>
             <a:pPr lvl="1"/>
             <a:r>
               <a:rPr lang="en-US" dirty="0" smtClean="0"/>
-              <a:t>Resume/CV are factual</a:t>
-            </a:r>
+              <a:t>Q&amp;A with former internship-</a:t>
+            </a:r>
+            <a:r>
+              <a:rPr lang="en-US" dirty="0" err="1" smtClean="0"/>
+              <a:t>havers</a:t>
+            </a:r>
+            <a:endParaRPr lang="en-US" dirty="0" smtClean="0"/>
           </a:p>
           <a:p>
             <a:pPr lvl="1"/>
-            <a:r>
-              <a:rPr lang="en-US" dirty="0" smtClean="0"/>
-              <a:t>You get opportunity to explain most important concepts in (short) detail in cover letter</a:t>
-            </a:r>
+            <a:endParaRPr lang="en-US" dirty="0" smtClean="0"/>
+          </a:p>
+          <a:p>
+            <a:r>
+              <a:rPr lang="en-US" dirty="0" smtClean="0"/>
+              <a:t>Consider asking:</a:t>
+            </a:r>
+          </a:p>
+          <a:p>
+            <a:pPr lvl="1"/>
+            <a:r>
+              <a:rPr lang="en-US" dirty="0" smtClean="0"/>
+              <a:t>What surprised you?</a:t>
+            </a:r>
+          </a:p>
+          <a:p>
+            <a:pPr lvl="1"/>
+            <a:r>
+              <a:rPr lang="en-US" dirty="0" smtClean="0"/>
+              <a:t>What were you unprepared for?</a:t>
+            </a:r>
+          </a:p>
+          <a:p>
+            <a:pPr lvl="1"/>
+            <a:r>
+              <a:rPr lang="en-US" dirty="0" smtClean="0"/>
+              <a:t>What were you surprisingly good at?</a:t>
+            </a:r>
+          </a:p>
+          <a:p>
+            <a:pPr lvl="1"/>
+            <a:r>
+              <a:rPr lang="en-US" dirty="0" smtClean="0"/>
+              <a:t>How did you improve as statistician?</a:t>
+            </a:r>
+          </a:p>
+          <a:p>
+            <a:pPr lvl="1"/>
+            <a:r>
+              <a:rPr lang="en-US" dirty="0" smtClean="0"/>
+              <a:t>Why are you more prepared for job now?</a:t>
+            </a:r>
+          </a:p>
+          <a:p>
+            <a:endParaRPr lang="en-US" dirty="0"/>
           </a:p>
         </p:txBody>
       </p:sp>
     </p:spTree>
     <p:extLst>
       <p:ext uri="{BB962C8B-B14F-4D97-AF65-F5344CB8AC3E}">
-        <p14:creationId xmlns:p14="http://schemas.microsoft.com/office/powerpoint/2010/main" val="2074924017"/>
+        <p14:creationId xmlns:p14="http://schemas.microsoft.com/office/powerpoint/2010/main" val="1256060348"/>
       </p:ext>
     </p:extLst>
   </p:cSld>
@@ -6807,84 +6967,156 @@
         </p:nvSpPr>
         <p:spPr>
           <a:xfrm>
-            <a:off x="457200" y="1600200"/>
-            <a:ext cx="8229600" cy="4953000"/>
+            <a:off x="228600" y="1143000"/>
+            <a:ext cx="8991600" cy="5562600"/>
           </a:xfrm>
         </p:spPr>
         <p:txBody>
           <a:bodyPr>
-            <a:normAutofit fontScale="92500"/>
+            <a:normAutofit fontScale="92500" lnSpcReduction="20000"/>
           </a:bodyPr>
           <a:lstStyle/>
           <a:p>
             <a:r>
               <a:rPr lang="en-US" dirty="0" smtClean="0"/>
-              <a:t>Be sure to have 3 good reasons why you’re the right fit for the job</a:t>
+              <a:t>Being a good intern </a:t>
+            </a:r>
+            <a:r>
+              <a:rPr lang="en-US" sz="3500" b="1" dirty="0" smtClean="0">
+                <a:solidFill>
+                  <a:srgbClr val="C00000"/>
+                </a:solidFill>
+              </a:rPr>
+              <a:t>≠</a:t>
+            </a:r>
+            <a:r>
+              <a:rPr lang="en-US" dirty="0" smtClean="0"/>
+              <a:t> being a good applicant</a:t>
+            </a:r>
+          </a:p>
+          <a:p>
+            <a:r>
+              <a:rPr lang="en-US" dirty="0" smtClean="0"/>
+              <a:t>Applicant needs to convince the organization that they will be a good intern</a:t>
             </a:r>
           </a:p>
           <a:p>
             <a:pPr lvl="1"/>
             <a:r>
               <a:rPr lang="en-US" dirty="0" smtClean="0"/>
-              <a:t>1 is not enough</a:t>
+              <a:t>Are you going to be a good hire when you’re graduating?</a:t>
             </a:r>
           </a:p>
           <a:p>
             <a:pPr lvl="1"/>
             <a:r>
               <a:rPr lang="en-US" dirty="0" smtClean="0"/>
-              <a:t>10 is too many</a:t>
+              <a:t>Can you show you’re going to learn well over next 10 </a:t>
+            </a:r>
+            <a:r>
+              <a:rPr lang="en-US" dirty="0" err="1" smtClean="0"/>
+              <a:t>wks</a:t>
+            </a:r>
+            <a:r>
+              <a:rPr lang="en-US" dirty="0" smtClean="0"/>
+              <a:t>?</a:t>
+            </a:r>
+          </a:p>
+          <a:p>
+            <a:pPr marL="457200" lvl="1" indent="0">
+              <a:buNone/>
+            </a:pPr>
+            <a:endParaRPr lang="en-US" dirty="0" smtClean="0"/>
+          </a:p>
+          <a:p>
+            <a:r>
+              <a:rPr lang="en-US" b="1" dirty="0">
+                <a:hlinkClick r:id="rId2"/>
+              </a:rPr>
+              <a:t>Key Strategies for a Successful Analytics Job Search</a:t>
+            </a:r>
+            <a:endParaRPr lang="en-US" b="1" dirty="0"/>
+          </a:p>
+          <a:p>
+            <a:pPr lvl="2"/>
+            <a:r>
+              <a:rPr lang="en-US" dirty="0" smtClean="0">
+                <a:hlinkClick r:id="rId2"/>
+              </a:rPr>
+              <a:t>http</a:t>
+            </a:r>
+            <a:r>
+              <a:rPr lang="en-US" dirty="0">
+                <a:hlinkClick r:id="rId2"/>
+              </a:rPr>
+              <a:t>://</a:t>
+            </a:r>
+            <a:r>
+              <a:rPr lang="en-US" dirty="0" smtClean="0">
+                <a:hlinkClick r:id="rId2"/>
+              </a:rPr>
+              <a:t>stattrak.amstat.org/2016/05/02/jobstrats-may16/</a:t>
+            </a:r>
+            <a:endParaRPr lang="en-US" dirty="0" smtClean="0"/>
+          </a:p>
+          <a:p>
+            <a:r>
+              <a:rPr lang="en-US" sz="2600" dirty="0"/>
+              <a:t>1. Write a</a:t>
+            </a:r>
+            <a:r>
+              <a:rPr lang="en-US" sz="2600" dirty="0" smtClean="0"/>
+              <a:t> concise and relevant resume (and cover letter)</a:t>
+            </a:r>
+          </a:p>
+          <a:p>
+            <a:r>
+              <a:rPr lang="en-US" sz="2600" dirty="0" smtClean="0"/>
+              <a:t>2</a:t>
+            </a:r>
+            <a:r>
+              <a:rPr lang="en-US" sz="2600" dirty="0"/>
+              <a:t>. </a:t>
+            </a:r>
+            <a:r>
+              <a:rPr lang="en-US" sz="2600" dirty="0" smtClean="0"/>
+              <a:t>Have a professional social media presence</a:t>
+            </a:r>
+          </a:p>
+          <a:p>
+            <a:r>
+              <a:rPr lang="en-US" sz="2600" dirty="0" smtClean="0"/>
+              <a:t>3. Research potential employers before the interview</a:t>
+            </a:r>
+          </a:p>
+          <a:p>
+            <a:r>
+              <a:rPr lang="en-US" sz="2600" dirty="0" smtClean="0"/>
+              <a:t>4. Avoid being overly casual or presumptuous in interviews</a:t>
+            </a:r>
+          </a:p>
+          <a:p>
+            <a:r>
+              <a:rPr lang="en-US" sz="2600" dirty="0" smtClean="0"/>
+              <a:t>5. Follow up after interviews</a:t>
+            </a:r>
+          </a:p>
+          <a:p>
+            <a:r>
+              <a:rPr lang="en-US" sz="2600" dirty="0" smtClean="0"/>
+              <a:t>Etc.</a:t>
             </a:r>
           </a:p>
           <a:p>
             <a:pPr lvl="1"/>
-            <a:r>
-              <a:rPr lang="en-US" dirty="0" smtClean="0"/>
-              <a:t>Know thyself!</a:t>
-            </a:r>
-          </a:p>
-          <a:p>
-            <a:pPr lvl="1"/>
-            <a:r>
-              <a:rPr lang="en-US" dirty="0" smtClean="0"/>
-              <a:t>Tip/trick: It’s hard to write about yourself. What would your best friend say about you? Don’t be shy!</a:t>
-            </a:r>
-          </a:p>
-          <a:p>
-            <a:r>
-              <a:rPr lang="en-US" dirty="0" smtClean="0"/>
-              <a:t>Why is the job right for YOU?</a:t>
-            </a:r>
-          </a:p>
-          <a:p>
-            <a:pPr lvl="1"/>
-            <a:r>
-              <a:rPr lang="en-US" dirty="0" smtClean="0"/>
-              <a:t>Why are you applying to company X? </a:t>
-            </a:r>
-            <a:endParaRPr lang="en-US" dirty="0"/>
-          </a:p>
-          <a:p>
-            <a:pPr lvl="1"/>
-            <a:r>
-              <a:rPr lang="en-US" dirty="0" smtClean="0"/>
-              <a:t>You must be </a:t>
-            </a:r>
-            <a:r>
-              <a:rPr lang="en-US" i="1" dirty="0" smtClean="0"/>
-              <a:t>passionate</a:t>
-            </a:r>
-            <a:r>
-              <a:rPr lang="en-US" dirty="0" smtClean="0"/>
-              <a:t> about the work!</a:t>
-            </a:r>
+            <a:endParaRPr lang="en-US" dirty="0" smtClean="0"/>
           </a:p>
         </p:txBody>
       </p:sp>
     </p:spTree>
     <p:extLst>
       <p:ext uri="{BB962C8B-B14F-4D97-AF65-F5344CB8AC3E}">
-        <p14:creationId xmlns:p14="http://schemas.microsoft.com/office/powerpoint/2010/main" val="1493590228"/>
+        <p14:creationId xmlns:p14="http://schemas.microsoft.com/office/powerpoint/2010/main" val="1182332384"/>
       </p:ext>
     </p:extLst>
   </p:cSld>
@@ -6933,7 +7165,11 @@
           <a:bodyPr/>
           <a:lstStyle/>
           <a:p>
-            <a:endParaRPr lang="en-US"/>
+            <a:r>
+              <a:rPr lang="en-US" dirty="0" smtClean="0"/>
+              <a:t>How to get that internship</a:t>
+            </a:r>
+            <a:endParaRPr lang="en-US" dirty="0"/>
           </a:p>
         </p:txBody>
       </p:sp>
@@ -6947,28 +7183,252 @@
             <p:ph idx="1"/>
           </p:nvPr>
         </p:nvSpPr>
-        <p:spPr/>
+        <p:spPr>
+          <a:xfrm>
+            <a:off x="152400" y="1371600"/>
+            <a:ext cx="8991600" cy="5181600"/>
+          </a:xfrm>
+        </p:spPr>
         <p:txBody>
           <a:bodyPr>
-            <a:normAutofit/>
+            <a:normAutofit fontScale="85000" lnSpcReduction="10000"/>
           </a:bodyPr>
           <a:lstStyle/>
           <a:p>
             <a:r>
-              <a:rPr lang="en-US" dirty="0" smtClean="0"/>
-              <a:t>Resume breakout?</a:t>
-            </a:r>
+              <a:rPr lang="en-US" b="1" dirty="0">
+                <a:hlinkClick r:id="rId2"/>
+              </a:rPr>
+              <a:t>10 Tips for Securing a Summer </a:t>
+            </a:r>
+            <a:r>
+              <a:rPr lang="en-US" b="1" dirty="0" smtClean="0">
+                <a:hlinkClick r:id="rId2"/>
+              </a:rPr>
+              <a:t>Internship</a:t>
+            </a:r>
+            <a:endParaRPr lang="en-US" b="1" dirty="0" smtClean="0"/>
+          </a:p>
+          <a:p>
+            <a:pPr lvl="1"/>
+            <a:r>
+              <a:rPr lang="en-US" dirty="0" smtClean="0">
+                <a:hlinkClick r:id="rId2"/>
+              </a:rPr>
+              <a:t>http</a:t>
+            </a:r>
+            <a:r>
+              <a:rPr lang="en-US" dirty="0">
+                <a:hlinkClick r:id="rId2"/>
+              </a:rPr>
+              <a:t>://</a:t>
+            </a:r>
+            <a:r>
+              <a:rPr lang="en-US" dirty="0" smtClean="0">
+                <a:hlinkClick r:id="rId2"/>
+              </a:rPr>
+              <a:t>stattrak.amstat.org/2013/12/01/summerinternshiptips/</a:t>
+            </a:r>
+            <a:endParaRPr lang="en-US" dirty="0" smtClean="0"/>
+          </a:p>
+          <a:p>
+            <a:pPr marL="514350" indent="-514350">
+              <a:buFont typeface="+mj-lt"/>
+              <a:buAutoNum type="arabicPeriod"/>
+            </a:pPr>
+            <a:r>
+              <a:rPr lang="en-US" sz="2600" b="1" dirty="0" smtClean="0">
+                <a:solidFill>
+                  <a:srgbClr val="0070C0"/>
+                </a:solidFill>
+              </a:rPr>
+              <a:t>Read </a:t>
+            </a:r>
+            <a:r>
+              <a:rPr lang="en-US" sz="2600" b="1" dirty="0">
+                <a:solidFill>
+                  <a:srgbClr val="0070C0"/>
+                </a:solidFill>
+              </a:rPr>
+              <a:t>the position description carefully</a:t>
+            </a:r>
+          </a:p>
+          <a:p>
+            <a:pPr marL="514350" indent="-514350">
+              <a:buFont typeface="+mj-lt"/>
+              <a:buAutoNum type="arabicPeriod"/>
+            </a:pPr>
+            <a:r>
+              <a:rPr lang="en-US" sz="2600" b="1" dirty="0" smtClean="0">
+                <a:solidFill>
+                  <a:srgbClr val="0070C0"/>
+                </a:solidFill>
+              </a:rPr>
+              <a:t>Customize </a:t>
+            </a:r>
+            <a:r>
+              <a:rPr lang="en-US" sz="2600" b="1" dirty="0">
+                <a:solidFill>
+                  <a:srgbClr val="0070C0"/>
+                </a:solidFill>
+              </a:rPr>
+              <a:t>your résumé for the job. </a:t>
+            </a:r>
+          </a:p>
+          <a:p>
+            <a:pPr marL="514350" indent="-514350">
+              <a:buFont typeface="+mj-lt"/>
+              <a:buAutoNum type="arabicPeriod"/>
+            </a:pPr>
+            <a:r>
+              <a:rPr lang="en-US" sz="2600" dirty="0" smtClean="0"/>
+              <a:t>Format </a:t>
+            </a:r>
+            <a:r>
+              <a:rPr lang="en-US" sz="2600" dirty="0"/>
+              <a:t>your résumé to make it clear and easy to read</a:t>
+            </a:r>
+            <a:r>
+              <a:rPr lang="en-US" sz="2600" dirty="0" smtClean="0"/>
+              <a:t>.</a:t>
+            </a:r>
+            <a:endParaRPr lang="en-US" sz="2600" dirty="0"/>
+          </a:p>
+          <a:p>
+            <a:pPr marL="514350" indent="-514350">
+              <a:buFont typeface="+mj-lt"/>
+              <a:buAutoNum type="arabicPeriod"/>
+            </a:pPr>
+            <a:r>
+              <a:rPr lang="en-US" sz="2600" dirty="0" smtClean="0"/>
+              <a:t>Be </a:t>
+            </a:r>
+            <a:r>
+              <a:rPr lang="en-US" sz="2600" dirty="0"/>
+              <a:t>clear on your résumé about the skills, projects, and duties you have </a:t>
+            </a:r>
+            <a:r>
+              <a:rPr lang="en-US" sz="2600" dirty="0" smtClean="0"/>
+              <a:t>performed </a:t>
+            </a:r>
+            <a:r>
+              <a:rPr lang="en-US" sz="2600" dirty="0"/>
+              <a:t>in previous positions/school projects</a:t>
+            </a:r>
+            <a:r>
+              <a:rPr lang="en-US" sz="2600" dirty="0" smtClean="0"/>
+              <a:t>.</a:t>
+            </a:r>
+          </a:p>
+          <a:p>
+            <a:pPr marL="514350" indent="-514350">
+              <a:buFont typeface="+mj-lt"/>
+              <a:buAutoNum type="arabicPeriod"/>
+            </a:pPr>
+            <a:r>
+              <a:rPr lang="en-US" sz="2600" dirty="0" smtClean="0"/>
+              <a:t>Ensure </a:t>
+            </a:r>
+            <a:r>
+              <a:rPr lang="en-US" sz="2600" dirty="0"/>
+              <a:t>your contact information is </a:t>
+            </a:r>
+            <a:r>
+              <a:rPr lang="en-US" sz="2600" dirty="0" smtClean="0"/>
+              <a:t>accurate</a:t>
+            </a:r>
+          </a:p>
+          <a:p>
+            <a:pPr marL="514350" indent="-514350">
+              <a:buFont typeface="+mj-lt"/>
+              <a:buAutoNum type="arabicPeriod"/>
+            </a:pPr>
+            <a:r>
+              <a:rPr lang="en-US" sz="2600" dirty="0" smtClean="0"/>
+              <a:t>Make the deadline.</a:t>
+            </a:r>
+            <a:endParaRPr lang="en-US" sz="2600" dirty="0"/>
+          </a:p>
+          <a:p>
+            <a:pPr marL="514350" indent="-514350">
+              <a:buFont typeface="+mj-lt"/>
+              <a:buAutoNum type="arabicPeriod"/>
+            </a:pPr>
+            <a:r>
+              <a:rPr lang="en-US" sz="2600" b="1" dirty="0" smtClean="0">
+                <a:solidFill>
+                  <a:srgbClr val="0070C0"/>
+                </a:solidFill>
+              </a:rPr>
+              <a:t>Write </a:t>
+            </a:r>
+            <a:r>
+              <a:rPr lang="en-US" sz="2600" b="1" dirty="0">
+                <a:solidFill>
+                  <a:srgbClr val="0070C0"/>
+                </a:solidFill>
+              </a:rPr>
+              <a:t>a cover letter that is specific to the position.</a:t>
+            </a:r>
+          </a:p>
+          <a:p>
+            <a:pPr marL="514350" indent="-514350">
+              <a:buFont typeface="+mj-lt"/>
+              <a:buAutoNum type="arabicPeriod"/>
+            </a:pPr>
+            <a:r>
+              <a:rPr lang="en-US" sz="2600" dirty="0" smtClean="0"/>
+              <a:t>Proofread </a:t>
+            </a:r>
+            <a:r>
+              <a:rPr lang="en-US" sz="2600" dirty="0"/>
+              <a:t>your résumé and cover letter</a:t>
+            </a:r>
+            <a:r>
+              <a:rPr lang="en-US" sz="2600" dirty="0" smtClean="0"/>
+              <a:t>.</a:t>
+            </a:r>
+            <a:endParaRPr lang="en-US" sz="2600" dirty="0"/>
+          </a:p>
+          <a:p>
+            <a:pPr marL="514350" indent="-514350">
+              <a:buFont typeface="+mj-lt"/>
+              <a:buAutoNum type="arabicPeriod"/>
+            </a:pPr>
+            <a:r>
+              <a:rPr lang="en-US" sz="2600" dirty="0" smtClean="0"/>
+              <a:t>Save </a:t>
+            </a:r>
+            <a:r>
+              <a:rPr lang="en-US" sz="2600" dirty="0"/>
+              <a:t>or print positions for which you apply. </a:t>
+            </a:r>
+            <a:endParaRPr lang="en-US" sz="2600" dirty="0" smtClean="0"/>
+          </a:p>
+          <a:p>
+            <a:pPr marL="514350" indent="-514350">
+              <a:buFont typeface="+mj-lt"/>
+              <a:buAutoNum type="arabicPeriod"/>
+            </a:pPr>
+            <a:r>
+              <a:rPr lang="en-US" sz="2600" dirty="0" smtClean="0"/>
+              <a:t>Be </a:t>
+            </a:r>
+            <a:r>
+              <a:rPr lang="en-US" sz="2600" dirty="0"/>
+              <a:t>prepared with specific questions to ask during initial phone screens and interviews.</a:t>
+            </a:r>
+          </a:p>
+          <a:p>
+            <a:pPr lvl="1"/>
             <a:endParaRPr lang="en-US" dirty="0"/>
-          </a:p>
-          <a:p>
-            <a:endParaRPr lang="en-US" dirty="0" smtClean="0"/>
           </a:p>
         </p:txBody>
       </p:sp>
     </p:spTree>
     <p:extLst>
       <p:ext uri="{BB962C8B-B14F-4D97-AF65-F5344CB8AC3E}">
-        <p14:creationId xmlns:p14="http://schemas.microsoft.com/office/powerpoint/2010/main" val="1245892029"/>
+        <p14:creationId xmlns:p14="http://schemas.microsoft.com/office/powerpoint/2010/main" val="3835501288"/>
       </p:ext>
     </p:extLst>
   </p:cSld>
@@ -7017,7 +7477,11 @@
           <a:bodyPr/>
           <a:lstStyle/>
           <a:p>
-            <a:endParaRPr lang="en-US"/>
+            <a:r>
+              <a:rPr lang="en-US" dirty="0" smtClean="0"/>
+              <a:t>How to get that internship</a:t>
+            </a:r>
+            <a:endParaRPr lang="en-US" dirty="0"/>
           </a:p>
         </p:txBody>
       </p:sp>
@@ -7031,51 +7495,35 @@
             <p:ph idx="1"/>
           </p:nvPr>
         </p:nvSpPr>
-        <p:spPr/>
+        <p:spPr>
+          <a:xfrm>
+            <a:off x="381000" y="1371600"/>
+            <a:ext cx="8458200" cy="5486400"/>
+          </a:xfrm>
+        </p:spPr>
         <p:txBody>
           <a:bodyPr>
-            <a:normAutofit lnSpcReduction="10000"/>
+            <a:normAutofit/>
           </a:bodyPr>
           <a:lstStyle/>
           <a:p>
             <a:r>
               <a:rPr lang="en-US" dirty="0" smtClean="0"/>
-              <a:t>Resume breakout?</a:t>
-            </a:r>
-            <a:endParaRPr lang="en-US" dirty="0"/>
-          </a:p>
-          <a:p>
-            <a:endParaRPr lang="en-US" dirty="0" smtClean="0"/>
-          </a:p>
-          <a:p>
-            <a:r>
-              <a:rPr lang="en-US" smtClean="0"/>
-              <a:t>More help! </a:t>
-            </a:r>
-            <a:r>
-              <a:rPr lang="en-US" dirty="0" smtClean="0"/>
-              <a:t>- go to University Career Services!</a:t>
+              <a:t>Resume/CV and cover letter work together</a:t>
             </a:r>
           </a:p>
           <a:p>
             <a:pPr lvl="1"/>
             <a:r>
               <a:rPr lang="en-US" dirty="0" smtClean="0"/>
-              <a:t>Print your resume and a job posting you’re interested in</a:t>
+              <a:t>Resume/CV are factual</a:t>
             </a:r>
           </a:p>
           <a:p>
             <a:pPr lvl="1"/>
             <a:r>
               <a:rPr lang="en-US" dirty="0" smtClean="0"/>
-              <a:t>Schedule a long appointment with Amy Blackburn</a:t>
-            </a:r>
-          </a:p>
-          <a:p>
-            <a:pPr lvl="1"/>
-            <a:r>
-              <a:rPr lang="en-US" dirty="0" smtClean="0"/>
-              <a:t>Or drop-in at Hanes Hall 1-4pm daily (I think) to get an awesome &amp; efficient session with knowledgeable reader; highly recommend </a:t>
+              <a:t>You get opportunity to explain most important concepts in (short) detail in cover letter</a:t>
             </a:r>
           </a:p>
         </p:txBody>
@@ -7083,7 +7531,7 @@
     </p:spTree>
     <p:extLst>
       <p:ext uri="{BB962C8B-B14F-4D97-AF65-F5344CB8AC3E}">
-        <p14:creationId xmlns:p14="http://schemas.microsoft.com/office/powerpoint/2010/main" val="600597936"/>
+        <p14:creationId xmlns:p14="http://schemas.microsoft.com/office/powerpoint/2010/main" val="2074924017"/>
       </p:ext>
     </p:extLst>
   </p:cSld>
@@ -7158,66 +7606,70 @@
         </p:spPr>
         <p:txBody>
           <a:bodyPr>
-            <a:normAutofit/>
+            <a:normAutofit fontScale="92500"/>
           </a:bodyPr>
           <a:lstStyle/>
           <a:p>
             <a:r>
               <a:rPr lang="en-US" dirty="0" smtClean="0"/>
-              <a:t>Practice </a:t>
-            </a:r>
-            <a:r>
-              <a:rPr lang="en-US" dirty="0"/>
-              <a:t>the typical interview questions</a:t>
+              <a:t>Be sure to have 3 good reasons why you’re the right fit for the job</a:t>
             </a:r>
           </a:p>
           <a:p>
             <a:pPr lvl="1"/>
             <a:r>
-              <a:rPr lang="en-US" dirty="0"/>
-              <a:t>“Tell me about yourself”</a:t>
+              <a:rPr lang="en-US" dirty="0" smtClean="0"/>
+              <a:t>1 is not enough</a:t>
             </a:r>
           </a:p>
           <a:p>
             <a:pPr lvl="1"/>
             <a:r>
-              <a:rPr lang="en-US" dirty="0"/>
-              <a:t>“Tell me about a time where you were a leader”</a:t>
+              <a:rPr lang="en-US" dirty="0" smtClean="0"/>
+              <a:t>10 is too many</a:t>
             </a:r>
           </a:p>
           <a:p>
             <a:pPr lvl="1"/>
             <a:r>
-              <a:rPr lang="en-US" dirty="0"/>
-              <a:t>“Tell me about a time where you failed”</a:t>
+              <a:rPr lang="en-US" dirty="0" smtClean="0"/>
+              <a:t>Know thyself!</a:t>
             </a:r>
           </a:p>
           <a:p>
             <a:pPr lvl="1"/>
             <a:r>
-              <a:rPr lang="en-US" dirty="0"/>
-              <a:t>Use the STAR method of storytelling</a:t>
-            </a:r>
-          </a:p>
-          <a:p>
-            <a:pPr lvl="2"/>
-            <a:r>
-              <a:rPr lang="en-US" dirty="0"/>
-              <a:t>Situation, Task, Action, Result</a:t>
+              <a:rPr lang="en-US" dirty="0" smtClean="0"/>
+              <a:t>Tip/trick: It’s hard to write about yourself. What would your best friend say about you? Don’t be shy!</a:t>
+            </a:r>
+          </a:p>
+          <a:p>
+            <a:r>
+              <a:rPr lang="en-US" dirty="0" smtClean="0"/>
+              <a:t>Why is the job right for YOU?</a:t>
             </a:r>
           </a:p>
           <a:p>
             <a:pPr lvl="1"/>
             <a:r>
-              <a:rPr lang="en-US" dirty="0"/>
-              <a:t>Take the time to practice these stories</a:t>
-            </a:r>
+              <a:rPr lang="en-US" dirty="0" smtClean="0"/>
+              <a:t>Why are you applying to company X? </a:t>
+            </a:r>
+            <a:endParaRPr lang="en-US" dirty="0"/>
           </a:p>
           <a:p>
             <a:pPr lvl="1"/>
             <a:r>
-              <a:rPr lang="en-US" dirty="0"/>
-              <a:t>Also prepare questions to ask them</a:t>
+              <a:rPr lang="en-US" dirty="0" smtClean="0"/>
+              <a:t>You must be </a:t>
+            </a:r>
+            <a:r>
+              <a:rPr lang="en-US" i="1" dirty="0" smtClean="0"/>
+              <a:t>passionate</a:t>
+            </a:r>
+            <a:r>
+              <a:rPr lang="en-US" dirty="0" smtClean="0"/>
+              <a:t> about the work!</a:t>
             </a:r>
           </a:p>
         </p:txBody>
@@ -7225,7 +7677,7 @@
     </p:spTree>
     <p:extLst>
       <p:ext uri="{BB962C8B-B14F-4D97-AF65-F5344CB8AC3E}">
-        <p14:creationId xmlns:p14="http://schemas.microsoft.com/office/powerpoint/2010/main" val="4198078721"/>
+        <p14:creationId xmlns:p14="http://schemas.microsoft.com/office/powerpoint/2010/main" val="1493590228"/>
       </p:ext>
     </p:extLst>
   </p:cSld>
@@ -7271,12 +7723,18 @@
         </p:nvSpPr>
         <p:spPr/>
         <p:txBody>
-          <a:bodyPr/>
-          <a:lstStyle/>
-          <a:p>
-            <a:r>
-              <a:rPr lang="en-US" dirty="0" smtClean="0"/>
-              <a:t>How to get that internship</a:t>
+          <a:bodyPr>
+            <a:normAutofit/>
+          </a:bodyPr>
+          <a:lstStyle/>
+          <a:p>
+            <a:r>
+              <a:rPr lang="en-US" dirty="0"/>
+              <a:t>Resume </a:t>
+            </a:r>
+            <a:r>
+              <a:rPr lang="en-US" dirty="0" smtClean="0"/>
+              <a:t>breakout!</a:t>
             </a:r>
             <a:endParaRPr lang="en-US" dirty="0"/>
           </a:p>
@@ -7294,37 +7752,63 @@
         </p:nvSpPr>
         <p:spPr/>
         <p:txBody>
-          <a:bodyPr/>
-          <a:lstStyle/>
-          <a:p>
-            <a:r>
-              <a:rPr lang="en-US" dirty="0" smtClean="0"/>
-              <a:t>Let’s do an exercise </a:t>
+          <a:bodyPr>
+            <a:normAutofit/>
+          </a:bodyPr>
+          <a:lstStyle/>
+          <a:p>
+            <a:r>
+              <a:rPr lang="en-US" dirty="0" smtClean="0"/>
+              <a:t>Small groups</a:t>
+            </a:r>
+          </a:p>
+          <a:p>
+            <a:r>
+              <a:rPr lang="en-US" dirty="0" smtClean="0"/>
+              <a:t>Read each others’ resume/CV’s</a:t>
             </a:r>
           </a:p>
           <a:p>
             <a:pPr lvl="1"/>
             <a:r>
               <a:rPr lang="en-US" dirty="0" smtClean="0"/>
-              <a:t>Relates to cover letter / interview </a:t>
+              <a:t>Discuss what stands out to you</a:t>
             </a:r>
           </a:p>
           <a:p>
             <a:pPr lvl="1"/>
             <a:r>
               <a:rPr lang="en-US" dirty="0" smtClean="0"/>
-              <a:t>Exercise covers broad concepts and specific advice</a:t>
-            </a:r>
-          </a:p>
-          <a:p>
-            <a:endParaRPr lang="en-US" dirty="0"/>
+              <a:t>Discuss what needs to stand out more</a:t>
+            </a:r>
+          </a:p>
+          <a:p>
+            <a:pPr lvl="1"/>
+            <a:r>
+              <a:rPr lang="en-US" dirty="0" smtClean="0"/>
+              <a:t>Big question:</a:t>
+            </a:r>
+          </a:p>
+          <a:p>
+            <a:pPr lvl="2"/>
+            <a:r>
+              <a:rPr lang="en-US" dirty="0" smtClean="0"/>
+              <a:t>Does their resume summarize them well as a person?</a:t>
+            </a:r>
+          </a:p>
+          <a:p>
+            <a:pPr lvl="1"/>
+            <a:endParaRPr lang="en-US" dirty="0" smtClean="0"/>
+          </a:p>
+          <a:p>
+            <a:endParaRPr lang="en-US" dirty="0" smtClean="0"/>
           </a:p>
         </p:txBody>
       </p:sp>
     </p:spTree>
     <p:extLst>
       <p:ext uri="{BB962C8B-B14F-4D97-AF65-F5344CB8AC3E}">
-        <p14:creationId xmlns:p14="http://schemas.microsoft.com/office/powerpoint/2010/main" val="734596253"/>
+        <p14:creationId xmlns:p14="http://schemas.microsoft.com/office/powerpoint/2010/main" val="1245892029"/>
       </p:ext>
     </p:extLst>
   </p:cSld>
@@ -7370,15 +7854,10 @@
         </p:nvSpPr>
         <p:spPr/>
         <p:txBody>
-          <a:bodyPr>
-            <a:normAutofit fontScale="90000"/>
-          </a:bodyPr>
-          <a:lstStyle/>
-          <a:p>
-            <a:r>
-              <a:rPr lang="en-US" dirty="0"/>
-              <a:t>Small group BREAKOUT – 5 minutes</a:t>
-            </a:r>
+          <a:bodyPr/>
+          <a:lstStyle/>
+          <a:p>
+            <a:endParaRPr lang="en-US"/>
           </a:p>
         </p:txBody>
       </p:sp>
@@ -7392,12 +7871,7 @@
             <p:ph idx="1"/>
           </p:nvPr>
         </p:nvSpPr>
-        <p:spPr>
-          <a:xfrm>
-            <a:off x="76200" y="1295400"/>
-            <a:ext cx="8839200" cy="5638800"/>
-          </a:xfrm>
-        </p:spPr>
+        <p:spPr/>
         <p:txBody>
           <a:bodyPr>
             <a:normAutofit/>
@@ -7406,42 +7880,40 @@
           <a:p>
             <a:r>
               <a:rPr lang="en-US" dirty="0" smtClean="0"/>
-              <a:t>Get </a:t>
-            </a:r>
-            <a:r>
-              <a:rPr lang="en-US" dirty="0"/>
-              <a:t>out your personal statement for your UNC BIOS applications</a:t>
-            </a:r>
-            <a:r>
-              <a:rPr lang="en-US" dirty="0" smtClean="0"/>
-              <a:t>!</a:t>
+              <a:t>More </a:t>
+            </a:r>
+            <a:r>
+              <a:rPr lang="en-US" dirty="0" smtClean="0"/>
+              <a:t>help! - go to University Career Services!</a:t>
             </a:r>
           </a:p>
           <a:p>
             <a:pPr lvl="1"/>
             <a:r>
               <a:rPr lang="en-US" dirty="0" smtClean="0"/>
-              <a:t>What did you write about?</a:t>
+              <a:t>Print your resume and a job posting you’re interested in</a:t>
             </a:r>
           </a:p>
           <a:p>
             <a:pPr lvl="1"/>
-            <a:endParaRPr lang="en-US" dirty="0" smtClean="0"/>
+            <a:r>
+              <a:rPr lang="en-US" dirty="0" smtClean="0"/>
+              <a:t>Schedule a long appointment with Amy Blackburn</a:t>
+            </a:r>
           </a:p>
           <a:p>
             <a:pPr lvl="1"/>
-            <a:endParaRPr lang="en-US" dirty="0" smtClean="0"/>
-          </a:p>
-          <a:p>
-            <a:pPr lvl="1"/>
-            <a:endParaRPr lang="en-US" dirty="0" smtClean="0"/>
+            <a:r>
+              <a:rPr lang="en-US" dirty="0" smtClean="0"/>
+              <a:t>Or drop-in at Hanes Hall 1-4pm daily (I think) to get an awesome &amp; efficient session with knowledgeable reader; highly recommend </a:t>
+            </a:r>
           </a:p>
         </p:txBody>
       </p:sp>
     </p:spTree>
     <p:extLst>
       <p:ext uri="{BB962C8B-B14F-4D97-AF65-F5344CB8AC3E}">
-        <p14:creationId xmlns:p14="http://schemas.microsoft.com/office/powerpoint/2010/main" val="3223655463"/>
+        <p14:creationId xmlns:p14="http://schemas.microsoft.com/office/powerpoint/2010/main" val="600597936"/>
       </p:ext>
     </p:extLst>
   </p:cSld>
@@ -7649,15 +8121,14 @@
         </p:nvSpPr>
         <p:spPr/>
         <p:txBody>
-          <a:bodyPr>
-            <a:normAutofit fontScale="90000"/>
-          </a:bodyPr>
-          <a:lstStyle/>
-          <a:p>
-            <a:r>
-              <a:rPr lang="en-US" dirty="0"/>
-              <a:t>Small group BREAKOUT – 5 minutes</a:t>
-            </a:r>
+          <a:bodyPr/>
+          <a:lstStyle/>
+          <a:p>
+            <a:r>
+              <a:rPr lang="en-US" dirty="0" smtClean="0"/>
+              <a:t>How to get that internship</a:t>
+            </a:r>
+            <a:endParaRPr lang="en-US" dirty="0"/>
           </a:p>
         </p:txBody>
       </p:sp>
@@ -7673,8 +8144,8 @@
         </p:nvSpPr>
         <p:spPr>
           <a:xfrm>
-            <a:off x="76200" y="1295400"/>
-            <a:ext cx="8839200" cy="5638800"/>
+            <a:off x="457200" y="1600200"/>
+            <a:ext cx="8229600" cy="4953000"/>
           </a:xfrm>
         </p:spPr>
         <p:txBody>
@@ -7685,53 +8156,68 @@
           <a:p>
             <a:r>
               <a:rPr lang="en-US" dirty="0" smtClean="0"/>
-              <a:t>Get </a:t>
+              <a:t>Practice </a:t>
             </a:r>
             <a:r>
               <a:rPr lang="en-US" dirty="0"/>
-              <a:t>out your personal statement for your UNC BIOS applications</a:t>
-            </a:r>
-            <a:r>
-              <a:rPr lang="en-US" dirty="0" smtClean="0"/>
-              <a:t>!</a:t>
+              <a:t>the typical interview questions</a:t>
             </a:r>
           </a:p>
           <a:p>
             <a:pPr lvl="1"/>
             <a:r>
-              <a:rPr lang="en-US" dirty="0" smtClean="0"/>
-              <a:t>What did you write about?</a:t>
+              <a:rPr lang="en-US" dirty="0"/>
+              <a:t>“Tell me about yourself”</a:t>
+            </a:r>
+          </a:p>
+          <a:p>
+            <a:pPr lvl="1"/>
+            <a:r>
+              <a:rPr lang="en-US" dirty="0"/>
+              <a:t>“Tell me about a time where you were a leader”</a:t>
+            </a:r>
+          </a:p>
+          <a:p>
+            <a:pPr lvl="1"/>
+            <a:r>
+              <a:rPr lang="en-US" dirty="0"/>
+              <a:t>“Tell me about a time where you failed”</a:t>
+            </a:r>
+          </a:p>
+          <a:p>
+            <a:pPr lvl="1"/>
+            <a:r>
+              <a:rPr lang="en-US" dirty="0"/>
+              <a:t>Use the STAR method of storytelling</a:t>
             </a:r>
           </a:p>
           <a:p>
             <a:pPr lvl="2"/>
             <a:r>
-              <a:rPr lang="en-US" dirty="0" smtClean="0"/>
-              <a:t>(are you doing that now? It’s okay if you’re not!)</a:t>
-            </a:r>
-          </a:p>
-          <a:p>
-            <a:pPr lvl="3"/>
-            <a:endParaRPr lang="en-US" dirty="0" smtClean="0"/>
+              <a:rPr lang="en-US" dirty="0"/>
+              <a:t>Situation, Task, Action, Result</a:t>
+            </a:r>
           </a:p>
           <a:p>
             <a:pPr lvl="1"/>
-            <a:endParaRPr lang="en-US" dirty="0" smtClean="0"/>
+            <a:r>
+              <a:rPr lang="en-US" dirty="0"/>
+              <a:t>Take the time to practice these stories</a:t>
+            </a:r>
           </a:p>
           <a:p>
             <a:pPr lvl="1"/>
-            <a:endParaRPr lang="en-US" dirty="0" smtClean="0"/>
-          </a:p>
-          <a:p>
-            <a:pPr lvl="1"/>
-            <a:endParaRPr lang="en-US" dirty="0" smtClean="0"/>
+            <a:r>
+              <a:rPr lang="en-US" dirty="0"/>
+              <a:t>Also prepare questions to ask them</a:t>
+            </a:r>
           </a:p>
         </p:txBody>
       </p:sp>
     </p:spTree>
     <p:extLst>
       <p:ext uri="{BB962C8B-B14F-4D97-AF65-F5344CB8AC3E}">
-        <p14:creationId xmlns:p14="http://schemas.microsoft.com/office/powerpoint/2010/main" val="2732068919"/>
+        <p14:creationId xmlns:p14="http://schemas.microsoft.com/office/powerpoint/2010/main" val="4198078721"/>
       </p:ext>
     </p:extLst>
   </p:cSld>
@@ -7777,15 +8263,14 @@
         </p:nvSpPr>
         <p:spPr/>
         <p:txBody>
-          <a:bodyPr>
-            <a:normAutofit fontScale="90000"/>
-          </a:bodyPr>
-          <a:lstStyle/>
-          <a:p>
-            <a:r>
-              <a:rPr lang="en-US" dirty="0"/>
-              <a:t>Small group BREAKOUT – 5 minutes</a:t>
-            </a:r>
+          <a:bodyPr/>
+          <a:lstStyle/>
+          <a:p>
+            <a:r>
+              <a:rPr lang="en-US" dirty="0" smtClean="0"/>
+              <a:t>How to get that internship</a:t>
+            </a:r>
+            <a:endParaRPr lang="en-US" dirty="0"/>
           </a:p>
         </p:txBody>
       </p:sp>
@@ -7799,120 +8284,39 @@
             <p:ph idx="1"/>
           </p:nvPr>
         </p:nvSpPr>
-        <p:spPr>
-          <a:xfrm>
-            <a:off x="76200" y="1295400"/>
-            <a:ext cx="8839200" cy="5638800"/>
-          </a:xfrm>
-        </p:spPr>
-        <p:txBody>
-          <a:bodyPr>
-            <a:normAutofit/>
-          </a:bodyPr>
-          <a:lstStyle/>
-          <a:p>
-            <a:r>
-              <a:rPr lang="en-US" dirty="0" smtClean="0"/>
-              <a:t>Get </a:t>
-            </a:r>
-            <a:r>
-              <a:rPr lang="en-US" dirty="0"/>
-              <a:t>out your personal statement for your UNC BIOS applications</a:t>
-            </a:r>
-            <a:r>
-              <a:rPr lang="en-US" dirty="0" smtClean="0"/>
-              <a:t>!</a:t>
+        <p:spPr/>
+        <p:txBody>
+          <a:bodyPr/>
+          <a:lstStyle/>
+          <a:p>
+            <a:r>
+              <a:rPr lang="en-US" dirty="0" smtClean="0"/>
+              <a:t>Let’s do an exercise </a:t>
             </a:r>
           </a:p>
           <a:p>
             <a:pPr lvl="1"/>
             <a:r>
               <a:rPr lang="en-US" dirty="0" smtClean="0"/>
-              <a:t>What did you write about?</a:t>
-            </a:r>
-          </a:p>
-          <a:p>
-            <a:pPr lvl="2"/>
-            <a:r>
-              <a:rPr lang="en-US" dirty="0"/>
-              <a:t>(are you doing that now? It’s okay if you’re not!)</a:t>
+              <a:t>Relates to cover letter / interview </a:t>
             </a:r>
           </a:p>
           <a:p>
             <a:pPr lvl="1"/>
             <a:r>
               <a:rPr lang="en-US" dirty="0" smtClean="0"/>
-              <a:t>Knowing what you know now about UNC, what would you write about?</a:t>
-            </a:r>
-          </a:p>
-          <a:p>
-            <a:pPr lvl="2"/>
-            <a:r>
-              <a:rPr lang="en-US" dirty="0" smtClean="0"/>
-              <a:t>CSCC? </a:t>
-            </a:r>
-          </a:p>
-          <a:p>
-            <a:pPr lvl="2"/>
-            <a:r>
-              <a:rPr lang="en-US" dirty="0" err="1" smtClean="0"/>
-              <a:t>NCTracs</a:t>
-            </a:r>
-            <a:r>
-              <a:rPr lang="en-US" dirty="0" smtClean="0"/>
-              <a:t>?</a:t>
-            </a:r>
-          </a:p>
-          <a:p>
-            <a:pPr lvl="2"/>
-            <a:r>
-              <a:rPr lang="en-US" dirty="0" smtClean="0"/>
-              <a:t>SMART trials? </a:t>
-            </a:r>
-          </a:p>
-          <a:p>
-            <a:pPr lvl="2"/>
-            <a:r>
-              <a:rPr lang="en-US" dirty="0" smtClean="0"/>
-              <a:t>Ties to Pharma and Rho and Quintiles? </a:t>
-            </a:r>
-          </a:p>
-          <a:p>
-            <a:pPr lvl="2"/>
-            <a:r>
-              <a:rPr lang="en-US" dirty="0" smtClean="0"/>
-              <a:t>Long tradition and history?</a:t>
-            </a:r>
-          </a:p>
-          <a:p>
-            <a:pPr lvl="3"/>
-            <a:r>
-              <a:rPr lang="en-US" sz="2400" dirty="0" smtClean="0"/>
-              <a:t>These are all available online, no?</a:t>
-            </a:r>
-          </a:p>
-          <a:p>
-            <a:pPr lvl="3"/>
-            <a:endParaRPr lang="en-US" dirty="0" smtClean="0"/>
-          </a:p>
-          <a:p>
-            <a:pPr lvl="1"/>
-            <a:endParaRPr lang="en-US" dirty="0" smtClean="0"/>
-          </a:p>
-          <a:p>
-            <a:pPr lvl="1"/>
-            <a:endParaRPr lang="en-US" dirty="0" smtClean="0"/>
-          </a:p>
-          <a:p>
-            <a:pPr lvl="1"/>
-            <a:endParaRPr lang="en-US" dirty="0" smtClean="0"/>
+              <a:t>Exercise covers broad concepts and specific advice</a:t>
+            </a:r>
+          </a:p>
+          <a:p>
+            <a:endParaRPr lang="en-US" dirty="0"/>
           </a:p>
         </p:txBody>
       </p:sp>
     </p:spTree>
     <p:extLst>
       <p:ext uri="{BB962C8B-B14F-4D97-AF65-F5344CB8AC3E}">
-        <p14:creationId xmlns:p14="http://schemas.microsoft.com/office/powerpoint/2010/main" val="386448841"/>
+        <p14:creationId xmlns:p14="http://schemas.microsoft.com/office/powerpoint/2010/main" val="734596253"/>
       </p:ext>
     </p:extLst>
   </p:cSld>
@@ -7958,6 +8362,440 @@
         </p:nvSpPr>
         <p:spPr/>
         <p:txBody>
+          <a:bodyPr>
+            <a:normAutofit fontScale="90000"/>
+          </a:bodyPr>
+          <a:lstStyle/>
+          <a:p>
+            <a:r>
+              <a:rPr lang="en-US" dirty="0"/>
+              <a:t>Small group BREAKOUT – 5 minutes</a:t>
+            </a:r>
+          </a:p>
+        </p:txBody>
+      </p:sp>
+      <p:sp>
+        <p:nvSpPr>
+          <p:cNvPr id="3" name="Content Placeholder 2"/>
+          <p:cNvSpPr>
+            <a:spLocks noGrp="1"/>
+          </p:cNvSpPr>
+          <p:nvPr>
+            <p:ph idx="1"/>
+          </p:nvPr>
+        </p:nvSpPr>
+        <p:spPr>
+          <a:xfrm>
+            <a:off x="76200" y="1295400"/>
+            <a:ext cx="8839200" cy="5638800"/>
+          </a:xfrm>
+        </p:spPr>
+        <p:txBody>
+          <a:bodyPr>
+            <a:normAutofit/>
+          </a:bodyPr>
+          <a:lstStyle/>
+          <a:p>
+            <a:r>
+              <a:rPr lang="en-US" dirty="0" smtClean="0"/>
+              <a:t>Get </a:t>
+            </a:r>
+            <a:r>
+              <a:rPr lang="en-US" dirty="0"/>
+              <a:t>out your personal statement for your UNC BIOS applications</a:t>
+            </a:r>
+            <a:r>
+              <a:rPr lang="en-US" dirty="0" smtClean="0"/>
+              <a:t>!</a:t>
+            </a:r>
+          </a:p>
+          <a:p>
+            <a:pPr lvl="1"/>
+            <a:r>
+              <a:rPr lang="en-US" dirty="0" smtClean="0"/>
+              <a:t>What did you write about?</a:t>
+            </a:r>
+          </a:p>
+          <a:p>
+            <a:pPr lvl="1"/>
+            <a:endParaRPr lang="en-US" dirty="0" smtClean="0"/>
+          </a:p>
+          <a:p>
+            <a:pPr lvl="1"/>
+            <a:endParaRPr lang="en-US" dirty="0" smtClean="0"/>
+          </a:p>
+          <a:p>
+            <a:pPr lvl="1"/>
+            <a:endParaRPr lang="en-US" dirty="0" smtClean="0"/>
+          </a:p>
+        </p:txBody>
+      </p:sp>
+    </p:spTree>
+    <p:extLst>
+      <p:ext uri="{BB962C8B-B14F-4D97-AF65-F5344CB8AC3E}">
+        <p14:creationId xmlns:p14="http://schemas.microsoft.com/office/powerpoint/2010/main" val="3223655463"/>
+      </p:ext>
+    </p:extLst>
+  </p:cSld>
+  <p:clrMapOvr>
+    <a:masterClrMapping/>
+  </p:clrMapOvr>
+  <p:timing>
+    <p:tnLst>
+      <p:par>
+        <p:cTn id="1" dur="indefinite" restart="never" nodeType="tmRoot"/>
+      </p:par>
+    </p:tnLst>
+  </p:timing>
+</p:sld>
+</file>
+
+<file path=ppt/slides/slide33.xml><?xml version="1.0" encoding="utf-8"?>
+<p:sld xmlns:a="http://schemas.openxmlformats.org/drawingml/2006/main" xmlns:r="http://schemas.openxmlformats.org/officeDocument/2006/relationships" xmlns:p="http://schemas.openxmlformats.org/presentationml/2006/main">
+  <p:cSld>
+    <p:spTree>
+      <p:nvGrpSpPr>
+        <p:cNvPr id="1" name=""/>
+        <p:cNvGrpSpPr/>
+        <p:nvPr/>
+      </p:nvGrpSpPr>
+      <p:grpSpPr>
+        <a:xfrm>
+          <a:off x="0" y="0"/>
+          <a:ext cx="0" cy="0"/>
+          <a:chOff x="0" y="0"/>
+          <a:chExt cx="0" cy="0"/>
+        </a:xfrm>
+      </p:grpSpPr>
+      <p:sp>
+        <p:nvSpPr>
+          <p:cNvPr id="2" name="Title 1"/>
+          <p:cNvSpPr>
+            <a:spLocks noGrp="1"/>
+          </p:cNvSpPr>
+          <p:nvPr>
+            <p:ph type="title"/>
+          </p:nvPr>
+        </p:nvSpPr>
+        <p:spPr/>
+        <p:txBody>
+          <a:bodyPr>
+            <a:normAutofit fontScale="90000"/>
+          </a:bodyPr>
+          <a:lstStyle/>
+          <a:p>
+            <a:r>
+              <a:rPr lang="en-US" dirty="0"/>
+              <a:t>Small group BREAKOUT – 5 minutes</a:t>
+            </a:r>
+          </a:p>
+        </p:txBody>
+      </p:sp>
+      <p:sp>
+        <p:nvSpPr>
+          <p:cNvPr id="3" name="Content Placeholder 2"/>
+          <p:cNvSpPr>
+            <a:spLocks noGrp="1"/>
+          </p:cNvSpPr>
+          <p:nvPr>
+            <p:ph idx="1"/>
+          </p:nvPr>
+        </p:nvSpPr>
+        <p:spPr>
+          <a:xfrm>
+            <a:off x="76200" y="1295400"/>
+            <a:ext cx="8839200" cy="5638800"/>
+          </a:xfrm>
+        </p:spPr>
+        <p:txBody>
+          <a:bodyPr>
+            <a:normAutofit/>
+          </a:bodyPr>
+          <a:lstStyle/>
+          <a:p>
+            <a:r>
+              <a:rPr lang="en-US" dirty="0" smtClean="0"/>
+              <a:t>Get </a:t>
+            </a:r>
+            <a:r>
+              <a:rPr lang="en-US" dirty="0"/>
+              <a:t>out your personal statement for your UNC BIOS applications</a:t>
+            </a:r>
+            <a:r>
+              <a:rPr lang="en-US" dirty="0" smtClean="0"/>
+              <a:t>!</a:t>
+            </a:r>
+          </a:p>
+          <a:p>
+            <a:pPr lvl="1"/>
+            <a:r>
+              <a:rPr lang="en-US" dirty="0" smtClean="0"/>
+              <a:t>In your writing, how did you discuss UNC?</a:t>
+            </a:r>
+          </a:p>
+          <a:p>
+            <a:pPr lvl="2"/>
+            <a:r>
+              <a:rPr lang="en-US" dirty="0" smtClean="0"/>
+              <a:t>What did you say interested you about UNC?</a:t>
+            </a:r>
+          </a:p>
+          <a:p>
+            <a:pPr lvl="2"/>
+            <a:r>
+              <a:rPr lang="en-US" dirty="0" smtClean="0"/>
+              <a:t>Did you mention any centers or research groups by name?</a:t>
+            </a:r>
+            <a:endParaRPr lang="en-US" dirty="0" smtClean="0"/>
+          </a:p>
+          <a:p>
+            <a:pPr lvl="3"/>
+            <a:endParaRPr lang="en-US" dirty="0" smtClean="0"/>
+          </a:p>
+          <a:p>
+            <a:pPr lvl="1"/>
+            <a:endParaRPr lang="en-US" dirty="0" smtClean="0"/>
+          </a:p>
+          <a:p>
+            <a:pPr lvl="1"/>
+            <a:endParaRPr lang="en-US" dirty="0" smtClean="0"/>
+          </a:p>
+          <a:p>
+            <a:pPr lvl="1"/>
+            <a:endParaRPr lang="en-US" dirty="0" smtClean="0"/>
+          </a:p>
+        </p:txBody>
+      </p:sp>
+    </p:spTree>
+    <p:extLst>
+      <p:ext uri="{BB962C8B-B14F-4D97-AF65-F5344CB8AC3E}">
+        <p14:creationId xmlns:p14="http://schemas.microsoft.com/office/powerpoint/2010/main" val="2732068919"/>
+      </p:ext>
+    </p:extLst>
+  </p:cSld>
+  <p:clrMapOvr>
+    <a:masterClrMapping/>
+  </p:clrMapOvr>
+  <p:timing>
+    <p:tnLst>
+      <p:par>
+        <p:cTn id="1" dur="indefinite" restart="never" nodeType="tmRoot"/>
+      </p:par>
+    </p:tnLst>
+  </p:timing>
+</p:sld>
+</file>
+
+<file path=ppt/slides/slide34.xml><?xml version="1.0" encoding="utf-8"?>
+<p:sld xmlns:a="http://schemas.openxmlformats.org/drawingml/2006/main" xmlns:r="http://schemas.openxmlformats.org/officeDocument/2006/relationships" xmlns:p="http://schemas.openxmlformats.org/presentationml/2006/main">
+  <p:cSld>
+    <p:spTree>
+      <p:nvGrpSpPr>
+        <p:cNvPr id="1" name=""/>
+        <p:cNvGrpSpPr/>
+        <p:nvPr/>
+      </p:nvGrpSpPr>
+      <p:grpSpPr>
+        <a:xfrm>
+          <a:off x="0" y="0"/>
+          <a:ext cx="0" cy="0"/>
+          <a:chOff x="0" y="0"/>
+          <a:chExt cx="0" cy="0"/>
+        </a:xfrm>
+      </p:grpSpPr>
+      <p:sp>
+        <p:nvSpPr>
+          <p:cNvPr id="2" name="Title 1"/>
+          <p:cNvSpPr>
+            <a:spLocks noGrp="1"/>
+          </p:cNvSpPr>
+          <p:nvPr>
+            <p:ph type="title"/>
+          </p:nvPr>
+        </p:nvSpPr>
+        <p:spPr/>
+        <p:txBody>
+          <a:bodyPr>
+            <a:normAutofit fontScale="90000"/>
+          </a:bodyPr>
+          <a:lstStyle/>
+          <a:p>
+            <a:r>
+              <a:rPr lang="en-US" dirty="0"/>
+              <a:t>Small group BREAKOUT – 5 minutes</a:t>
+            </a:r>
+          </a:p>
+        </p:txBody>
+      </p:sp>
+      <p:sp>
+        <p:nvSpPr>
+          <p:cNvPr id="3" name="Content Placeholder 2"/>
+          <p:cNvSpPr>
+            <a:spLocks noGrp="1"/>
+          </p:cNvSpPr>
+          <p:nvPr>
+            <p:ph idx="1"/>
+          </p:nvPr>
+        </p:nvSpPr>
+        <p:spPr>
+          <a:xfrm>
+            <a:off x="76200" y="1295400"/>
+            <a:ext cx="8839200" cy="5638800"/>
+          </a:xfrm>
+        </p:spPr>
+        <p:txBody>
+          <a:bodyPr>
+            <a:normAutofit/>
+          </a:bodyPr>
+          <a:lstStyle/>
+          <a:p>
+            <a:r>
+              <a:rPr lang="en-US" dirty="0" smtClean="0"/>
+              <a:t>Get </a:t>
+            </a:r>
+            <a:r>
+              <a:rPr lang="en-US" dirty="0"/>
+              <a:t>out your personal statement for your UNC BIOS applications</a:t>
+            </a:r>
+            <a:r>
+              <a:rPr lang="en-US" dirty="0" smtClean="0"/>
+              <a:t>!</a:t>
+            </a:r>
+          </a:p>
+          <a:p>
+            <a:pPr lvl="1"/>
+            <a:r>
+              <a:rPr lang="en-US" dirty="0" smtClean="0"/>
+              <a:t>What did you write about?</a:t>
+            </a:r>
+          </a:p>
+          <a:p>
+            <a:pPr lvl="2"/>
+            <a:r>
+              <a:rPr lang="en-US" dirty="0"/>
+              <a:t>(are you doing that now? It’s okay if you’re not!)</a:t>
+            </a:r>
+          </a:p>
+          <a:p>
+            <a:pPr lvl="1"/>
+            <a:r>
+              <a:rPr lang="en-US" dirty="0" smtClean="0"/>
+              <a:t>Knowing what you know now about UNC, what would you write about?</a:t>
+            </a:r>
+          </a:p>
+          <a:p>
+            <a:pPr lvl="2"/>
+            <a:r>
+              <a:rPr lang="en-US" dirty="0" smtClean="0"/>
+              <a:t>CSCC? </a:t>
+            </a:r>
+          </a:p>
+          <a:p>
+            <a:pPr lvl="2"/>
+            <a:r>
+              <a:rPr lang="en-US" dirty="0" err="1" smtClean="0"/>
+              <a:t>NCTracs</a:t>
+            </a:r>
+            <a:r>
+              <a:rPr lang="en-US" dirty="0" smtClean="0"/>
+              <a:t>?</a:t>
+            </a:r>
+          </a:p>
+          <a:p>
+            <a:pPr lvl="2"/>
+            <a:r>
+              <a:rPr lang="en-US" dirty="0" smtClean="0"/>
+              <a:t>SMART trials? </a:t>
+            </a:r>
+          </a:p>
+          <a:p>
+            <a:pPr lvl="2"/>
+            <a:r>
+              <a:rPr lang="en-US" dirty="0" smtClean="0"/>
+              <a:t>Ties to Pharma and Rho and Quintiles? </a:t>
+            </a:r>
+          </a:p>
+          <a:p>
+            <a:pPr lvl="2"/>
+            <a:r>
+              <a:rPr lang="en-US" dirty="0" smtClean="0"/>
+              <a:t>Long tradition and history?</a:t>
+            </a:r>
+          </a:p>
+          <a:p>
+            <a:pPr lvl="3"/>
+            <a:r>
+              <a:rPr lang="en-US" sz="2400" dirty="0" smtClean="0"/>
+              <a:t>These are all available online, no?</a:t>
+            </a:r>
+          </a:p>
+          <a:p>
+            <a:pPr lvl="3"/>
+            <a:endParaRPr lang="en-US" dirty="0" smtClean="0"/>
+          </a:p>
+          <a:p>
+            <a:pPr lvl="1"/>
+            <a:endParaRPr lang="en-US" dirty="0" smtClean="0"/>
+          </a:p>
+          <a:p>
+            <a:pPr lvl="1"/>
+            <a:endParaRPr lang="en-US" dirty="0" smtClean="0"/>
+          </a:p>
+          <a:p>
+            <a:pPr lvl="1"/>
+            <a:endParaRPr lang="en-US" dirty="0" smtClean="0"/>
+          </a:p>
+        </p:txBody>
+      </p:sp>
+    </p:spTree>
+    <p:extLst>
+      <p:ext uri="{BB962C8B-B14F-4D97-AF65-F5344CB8AC3E}">
+        <p14:creationId xmlns:p14="http://schemas.microsoft.com/office/powerpoint/2010/main" val="386448841"/>
+      </p:ext>
+    </p:extLst>
+  </p:cSld>
+  <p:clrMapOvr>
+    <a:masterClrMapping/>
+  </p:clrMapOvr>
+  <p:timing>
+    <p:tnLst>
+      <p:par>
+        <p:cTn id="1" dur="indefinite" restart="never" nodeType="tmRoot"/>
+      </p:par>
+    </p:tnLst>
+  </p:timing>
+</p:sld>
+</file>
+
+<file path=ppt/slides/slide35.xml><?xml version="1.0" encoding="utf-8"?>
+<p:sld xmlns:a="http://schemas.openxmlformats.org/drawingml/2006/main" xmlns:r="http://schemas.openxmlformats.org/officeDocument/2006/relationships" xmlns:p="http://schemas.openxmlformats.org/presentationml/2006/main">
+  <p:cSld>
+    <p:spTree>
+      <p:nvGrpSpPr>
+        <p:cNvPr id="1" name=""/>
+        <p:cNvGrpSpPr/>
+        <p:nvPr/>
+      </p:nvGrpSpPr>
+      <p:grpSpPr>
+        <a:xfrm>
+          <a:off x="0" y="0"/>
+          <a:ext cx="0" cy="0"/>
+          <a:chOff x="0" y="0"/>
+          <a:chExt cx="0" cy="0"/>
+        </a:xfrm>
+      </p:grpSpPr>
+      <p:sp>
+        <p:nvSpPr>
+          <p:cNvPr id="2" name="Title 1"/>
+          <p:cNvSpPr>
+            <a:spLocks noGrp="1"/>
+          </p:cNvSpPr>
+          <p:nvPr>
+            <p:ph type="title"/>
+          </p:nvPr>
+        </p:nvSpPr>
+        <p:spPr/>
+        <p:txBody>
           <a:bodyPr/>
           <a:lstStyle/>
           <a:p>
@@ -8068,7 +8906,7 @@
 </p:sld>
 </file>
 
-<file path=ppt/slides/slide33.xml><?xml version="1.0" encoding="utf-8"?>
+<file path=ppt/slides/slide36.xml><?xml version="1.0" encoding="utf-8"?>
 <p:sld xmlns:a="http://schemas.openxmlformats.org/drawingml/2006/main" xmlns:r="http://schemas.openxmlformats.org/officeDocument/2006/relationships" xmlns:p="http://schemas.openxmlformats.org/presentationml/2006/main">
   <p:cSld>
     <p:spTree>
@@ -8176,7 +9014,7 @@
 </p:sld>
 </file>
 
-<file path=ppt/slides/slide34.xml><?xml version="1.0" encoding="utf-8"?>
+<file path=ppt/slides/slide37.xml><?xml version="1.0" encoding="utf-8"?>
 <p:sld xmlns:a="http://schemas.openxmlformats.org/drawingml/2006/main" xmlns:r="http://schemas.openxmlformats.org/officeDocument/2006/relationships" xmlns:p="http://schemas.openxmlformats.org/presentationml/2006/main">
   <p:cSld>
     <p:spTree>
@@ -8381,7 +9219,7 @@
 </p:sld>
 </file>
 
-<file path=ppt/slides/slide35.xml><?xml version="1.0" encoding="utf-8"?>
+<file path=ppt/slides/slide38.xml><?xml version="1.0" encoding="utf-8"?>
 <p:sld xmlns:a="http://schemas.openxmlformats.org/drawingml/2006/main" xmlns:r="http://schemas.openxmlformats.org/officeDocument/2006/relationships" xmlns:p="http://schemas.openxmlformats.org/presentationml/2006/main">
   <p:cSld>
     <p:spTree>
@@ -8551,7 +9389,7 @@
 </p:sld>
 </file>
 
-<file path=ppt/slides/slide36.xml><?xml version="1.0" encoding="utf-8"?>
+<file path=ppt/slides/slide39.xml><?xml version="1.0" encoding="utf-8"?>
 <p:sld xmlns:a="http://schemas.openxmlformats.org/drawingml/2006/main" xmlns:r="http://schemas.openxmlformats.org/officeDocument/2006/relationships" xmlns:p="http://schemas.openxmlformats.org/presentationml/2006/main">
   <p:cSld>
     <p:spTree>
@@ -9088,192 +9926,6 @@
 </p:sld>
 </file>
 
-<file path=ppt/slides/slide37.xml><?xml version="1.0" encoding="utf-8"?>
-<p:sld xmlns:a="http://schemas.openxmlformats.org/drawingml/2006/main" xmlns:r="http://schemas.openxmlformats.org/officeDocument/2006/relationships" xmlns:p="http://schemas.openxmlformats.org/presentationml/2006/main">
-  <p:cSld>
-    <p:spTree>
-      <p:nvGrpSpPr>
-        <p:cNvPr id="1" name=""/>
-        <p:cNvGrpSpPr/>
-        <p:nvPr/>
-      </p:nvGrpSpPr>
-      <p:grpSpPr>
-        <a:xfrm>
-          <a:off x="0" y="0"/>
-          <a:ext cx="0" cy="0"/>
-          <a:chOff x="0" y="0"/>
-          <a:chExt cx="0" cy="0"/>
-        </a:xfrm>
-      </p:grpSpPr>
-      <p:sp>
-        <p:nvSpPr>
-          <p:cNvPr id="2" name="Title 1"/>
-          <p:cNvSpPr>
-            <a:spLocks noGrp="1"/>
-          </p:cNvSpPr>
-          <p:nvPr>
-            <p:ph type="title"/>
-          </p:nvPr>
-        </p:nvSpPr>
-        <p:spPr/>
-        <p:txBody>
-          <a:bodyPr/>
-          <a:lstStyle/>
-          <a:p>
-            <a:r>
-              <a:rPr lang="en-US" dirty="0" smtClean="0"/>
-              <a:t>What’s next for YOU?</a:t>
-            </a:r>
-            <a:endParaRPr lang="en-US" dirty="0"/>
-          </a:p>
-        </p:txBody>
-      </p:sp>
-      <p:sp>
-        <p:nvSpPr>
-          <p:cNvPr id="3" name="Content Placeholder 2"/>
-          <p:cNvSpPr>
-            <a:spLocks noGrp="1"/>
-          </p:cNvSpPr>
-          <p:nvPr>
-            <p:ph idx="1"/>
-          </p:nvPr>
-        </p:nvSpPr>
-        <p:spPr>
-          <a:xfrm>
-            <a:off x="152400" y="1600200"/>
-            <a:ext cx="8763000" cy="5105400"/>
-          </a:xfrm>
-        </p:spPr>
-        <p:txBody>
-          <a:bodyPr>
-            <a:normAutofit fontScale="85000" lnSpcReduction="20000"/>
-          </a:bodyPr>
-          <a:lstStyle/>
-          <a:p>
-            <a:r>
-              <a:rPr lang="en-US" dirty="0" smtClean="0"/>
-              <a:t>Which of these is taught explicitly in the classroom?</a:t>
-            </a:r>
-          </a:p>
-          <a:p>
-            <a:pPr lvl="1"/>
-            <a:r>
-              <a:rPr lang="en-US" dirty="0" err="1" smtClean="0"/>
-              <a:t>Git</a:t>
-            </a:r>
-            <a:endParaRPr lang="en-US" dirty="0" smtClean="0"/>
-          </a:p>
-          <a:p>
-            <a:pPr lvl="1"/>
-            <a:r>
-              <a:rPr lang="en-US" dirty="0" smtClean="0"/>
-              <a:t>Databases</a:t>
-            </a:r>
-          </a:p>
-          <a:p>
-            <a:pPr lvl="1"/>
-            <a:r>
-              <a:rPr lang="en-US" dirty="0" smtClean="0"/>
-              <a:t>Machine learning</a:t>
-            </a:r>
-          </a:p>
-          <a:p>
-            <a:pPr lvl="1"/>
-            <a:r>
-              <a:rPr lang="en-US" dirty="0" smtClean="0"/>
-              <a:t>Packaging code</a:t>
-            </a:r>
-          </a:p>
-          <a:p>
-            <a:pPr lvl="1"/>
-            <a:r>
-              <a:rPr lang="en-US" dirty="0" smtClean="0"/>
-              <a:t>Soft skills</a:t>
-            </a:r>
-          </a:p>
-          <a:p>
-            <a:pPr lvl="1"/>
-            <a:r>
-              <a:rPr lang="en-US" dirty="0" smtClean="0"/>
-              <a:t>Communication</a:t>
-            </a:r>
-          </a:p>
-          <a:p>
-            <a:pPr lvl="1"/>
-            <a:r>
-              <a:rPr lang="en-US" dirty="0" smtClean="0"/>
-              <a:t>Project management</a:t>
-            </a:r>
-          </a:p>
-          <a:p>
-            <a:pPr lvl="1"/>
-            <a:r>
-              <a:rPr lang="en-US" dirty="0" smtClean="0"/>
-              <a:t>Self-motivation</a:t>
-            </a:r>
-          </a:p>
-          <a:p>
-            <a:r>
-              <a:rPr lang="en-US" dirty="0" smtClean="0"/>
-              <a:t>Suggestions:</a:t>
-            </a:r>
-          </a:p>
-          <a:p>
-            <a:pPr lvl="1"/>
-            <a:r>
-              <a:rPr lang="en-US" dirty="0"/>
-              <a:t>B</a:t>
-            </a:r>
-            <a:r>
-              <a:rPr lang="en-US" dirty="0" smtClean="0"/>
-              <a:t>uild </a:t>
-            </a:r>
-            <a:r>
-              <a:rPr lang="en-US" b="1" dirty="0" smtClean="0"/>
-              <a:t>your own</a:t>
-            </a:r>
-            <a:r>
-              <a:rPr lang="en-US" dirty="0" smtClean="0"/>
-              <a:t> curriculum here.</a:t>
-            </a:r>
-          </a:p>
-          <a:p>
-            <a:pPr lvl="1"/>
-            <a:r>
-              <a:rPr lang="en-US" dirty="0" smtClean="0"/>
-              <a:t>Talk with other (&amp; older) students</a:t>
-            </a:r>
-          </a:p>
-          <a:p>
-            <a:pPr lvl="1"/>
-            <a:r>
-              <a:rPr lang="en-US" dirty="0" smtClean="0"/>
-              <a:t>Follow smart statisticians on twitter!</a:t>
-            </a:r>
-            <a:endParaRPr lang="en-US" dirty="0"/>
-          </a:p>
-        </p:txBody>
-      </p:sp>
-    </p:spTree>
-    <p:extLst>
-      <p:ext uri="{BB962C8B-B14F-4D97-AF65-F5344CB8AC3E}">
-        <p14:creationId xmlns:p14="http://schemas.microsoft.com/office/powerpoint/2010/main" val="3093539082"/>
-      </p:ext>
-    </p:extLst>
-  </p:cSld>
-  <p:clrMapOvr>
-    <a:masterClrMapping/>
-  </p:clrMapOvr>
-  <p:timing>
-    <p:tnLst>
-      <p:par>
-        <p:cTn id="1" dur="indefinite" restart="never" nodeType="tmRoot"/>
-      </p:par>
-    </p:tnLst>
-  </p:timing>
-</p:sld>
-</file>
-
 <file path=ppt/slides/slide4.xml><?xml version="1.0" encoding="utf-8"?>
 <p:sld xmlns:a="http://schemas.openxmlformats.org/drawingml/2006/main" xmlns:r="http://schemas.openxmlformats.org/officeDocument/2006/relationships" xmlns:p="http://schemas.openxmlformats.org/presentationml/2006/main">
   <p:cSld>
@@ -9340,7 +9992,7 @@
           <a:p>
             <a:r>
               <a:rPr lang="en-US" dirty="0" smtClean="0"/>
-              <a:t>Also </a:t>
+              <a:t>Also, </a:t>
             </a:r>
             <a:r>
               <a:rPr lang="en-US" b="1" dirty="0" smtClean="0">
@@ -9415,6 +10067,338 @@
       </p:par>
     </p:tnLst>
   </p:timing>
+</p:sld>
+</file>
+
+<file path=ppt/slides/slide40.xml><?xml version="1.0" encoding="utf-8"?>
+<p:sld xmlns:a="http://schemas.openxmlformats.org/drawingml/2006/main" xmlns:r="http://schemas.openxmlformats.org/officeDocument/2006/relationships" xmlns:p="http://schemas.openxmlformats.org/presentationml/2006/main">
+  <p:cSld>
+    <p:spTree>
+      <p:nvGrpSpPr>
+        <p:cNvPr id="1" name=""/>
+        <p:cNvGrpSpPr/>
+        <p:nvPr/>
+      </p:nvGrpSpPr>
+      <p:grpSpPr>
+        <a:xfrm>
+          <a:off x="0" y="0"/>
+          <a:ext cx="0" cy="0"/>
+          <a:chOff x="0" y="0"/>
+          <a:chExt cx="0" cy="0"/>
+        </a:xfrm>
+      </p:grpSpPr>
+      <p:sp>
+        <p:nvSpPr>
+          <p:cNvPr id="2" name="Title 1"/>
+          <p:cNvSpPr>
+            <a:spLocks noGrp="1"/>
+          </p:cNvSpPr>
+          <p:nvPr>
+            <p:ph type="title"/>
+          </p:nvPr>
+        </p:nvSpPr>
+        <p:spPr/>
+        <p:txBody>
+          <a:bodyPr/>
+          <a:lstStyle/>
+          <a:p>
+            <a:r>
+              <a:rPr lang="en-US" dirty="0" smtClean="0"/>
+              <a:t>What’s next for YOU?</a:t>
+            </a:r>
+            <a:endParaRPr lang="en-US" dirty="0"/>
+          </a:p>
+        </p:txBody>
+      </p:sp>
+      <p:sp>
+        <p:nvSpPr>
+          <p:cNvPr id="3" name="Content Placeholder 2"/>
+          <p:cNvSpPr>
+            <a:spLocks noGrp="1"/>
+          </p:cNvSpPr>
+          <p:nvPr>
+            <p:ph idx="1"/>
+          </p:nvPr>
+        </p:nvSpPr>
+        <p:spPr>
+          <a:xfrm>
+            <a:off x="152400" y="1600200"/>
+            <a:ext cx="8763000" cy="5105400"/>
+          </a:xfrm>
+        </p:spPr>
+        <p:txBody>
+          <a:bodyPr>
+            <a:normAutofit lnSpcReduction="10000"/>
+          </a:bodyPr>
+          <a:lstStyle/>
+          <a:p>
+            <a:r>
+              <a:rPr lang="en-US" dirty="0" smtClean="0"/>
+              <a:t>Which of these is taught explicitly in the classroom?</a:t>
+            </a:r>
+          </a:p>
+          <a:p>
+            <a:pPr lvl="1"/>
+            <a:r>
+              <a:rPr lang="en-US" dirty="0" err="1" smtClean="0"/>
+              <a:t>Git</a:t>
+            </a:r>
+            <a:endParaRPr lang="en-US" dirty="0" smtClean="0"/>
+          </a:p>
+          <a:p>
+            <a:pPr lvl="1"/>
+            <a:r>
+              <a:rPr lang="en-US" dirty="0" smtClean="0"/>
+              <a:t>Databases</a:t>
+            </a:r>
+          </a:p>
+          <a:p>
+            <a:pPr lvl="1"/>
+            <a:r>
+              <a:rPr lang="en-US" dirty="0" smtClean="0"/>
+              <a:t>Machine learning</a:t>
+            </a:r>
+          </a:p>
+          <a:p>
+            <a:pPr lvl="1"/>
+            <a:r>
+              <a:rPr lang="en-US" dirty="0" smtClean="0"/>
+              <a:t>Packaging code</a:t>
+            </a:r>
+          </a:p>
+          <a:p>
+            <a:pPr lvl="1"/>
+            <a:r>
+              <a:rPr lang="en-US" dirty="0" smtClean="0"/>
+              <a:t>Soft skills</a:t>
+            </a:r>
+          </a:p>
+          <a:p>
+            <a:pPr lvl="1"/>
+            <a:r>
+              <a:rPr lang="en-US" dirty="0" smtClean="0"/>
+              <a:t>Communication</a:t>
+            </a:r>
+          </a:p>
+          <a:p>
+            <a:pPr lvl="1"/>
+            <a:r>
+              <a:rPr lang="en-US" dirty="0" smtClean="0"/>
+              <a:t>Project management</a:t>
+            </a:r>
+          </a:p>
+          <a:p>
+            <a:pPr lvl="1"/>
+            <a:r>
+              <a:rPr lang="en-US" dirty="0" smtClean="0"/>
+              <a:t>Self-motivation</a:t>
+            </a:r>
+          </a:p>
+          <a:p>
+            <a:endParaRPr lang="en-US" dirty="0"/>
+          </a:p>
+        </p:txBody>
+      </p:sp>
+    </p:spTree>
+    <p:extLst>
+      <p:ext uri="{BB962C8B-B14F-4D97-AF65-F5344CB8AC3E}">
+        <p14:creationId xmlns:p14="http://schemas.microsoft.com/office/powerpoint/2010/main" val="3093539082"/>
+      </p:ext>
+    </p:extLst>
+  </p:cSld>
+  <p:clrMapOvr>
+    <a:masterClrMapping/>
+  </p:clrMapOvr>
+  <p:timing>
+    <p:tnLst>
+      <p:par>
+        <p:cTn id="1" dur="indefinite" restart="never" nodeType="tmRoot"/>
+      </p:par>
+    </p:tnLst>
+  </p:timing>
+</p:sld>
+</file>
+
+<file path=ppt/slides/slide41.xml><?xml version="1.0" encoding="utf-8"?>
+<p:sld xmlns:a="http://schemas.openxmlformats.org/drawingml/2006/main" xmlns:r="http://schemas.openxmlformats.org/officeDocument/2006/relationships" xmlns:p="http://schemas.openxmlformats.org/presentationml/2006/main">
+  <p:cSld>
+    <p:spTree>
+      <p:nvGrpSpPr>
+        <p:cNvPr id="1" name=""/>
+        <p:cNvGrpSpPr/>
+        <p:nvPr/>
+      </p:nvGrpSpPr>
+      <p:grpSpPr>
+        <a:xfrm>
+          <a:off x="0" y="0"/>
+          <a:ext cx="0" cy="0"/>
+          <a:chOff x="0" y="0"/>
+          <a:chExt cx="0" cy="0"/>
+        </a:xfrm>
+      </p:grpSpPr>
+      <p:sp>
+        <p:nvSpPr>
+          <p:cNvPr id="2" name="Title 1"/>
+          <p:cNvSpPr>
+            <a:spLocks noGrp="1"/>
+          </p:cNvSpPr>
+          <p:nvPr>
+            <p:ph type="title"/>
+          </p:nvPr>
+        </p:nvSpPr>
+        <p:spPr/>
+        <p:txBody>
+          <a:bodyPr>
+            <a:normAutofit/>
+          </a:bodyPr>
+          <a:lstStyle/>
+          <a:p>
+            <a:r>
+              <a:rPr lang="en-US" dirty="0"/>
+              <a:t>What’s next for YOU?</a:t>
+            </a:r>
+          </a:p>
+        </p:txBody>
+      </p:sp>
+      <p:sp>
+        <p:nvSpPr>
+          <p:cNvPr id="3" name="Content Placeholder 2"/>
+          <p:cNvSpPr>
+            <a:spLocks noGrp="1"/>
+          </p:cNvSpPr>
+          <p:nvPr>
+            <p:ph idx="1"/>
+          </p:nvPr>
+        </p:nvSpPr>
+        <p:spPr/>
+        <p:txBody>
+          <a:bodyPr>
+            <a:normAutofit lnSpcReduction="10000"/>
+          </a:bodyPr>
+          <a:lstStyle/>
+          <a:p>
+            <a:r>
+              <a:rPr lang="en-US" dirty="0" smtClean="0"/>
+              <a:t>Suggestions:</a:t>
+            </a:r>
+          </a:p>
+          <a:p>
+            <a:pPr lvl="1"/>
+            <a:r>
+              <a:rPr lang="en-US" dirty="0" smtClean="0"/>
+              <a:t>Build </a:t>
+            </a:r>
+            <a:r>
+              <a:rPr lang="en-US" b="1" dirty="0"/>
+              <a:t>your own</a:t>
+            </a:r>
+            <a:r>
+              <a:rPr lang="en-US" dirty="0"/>
+              <a:t> curriculum here</a:t>
+            </a:r>
+            <a:r>
+              <a:rPr lang="en-US" dirty="0" smtClean="0"/>
+              <a:t>.</a:t>
+            </a:r>
+          </a:p>
+          <a:p>
+            <a:pPr lvl="2"/>
+            <a:r>
+              <a:rPr lang="en-US" dirty="0" smtClean="0"/>
+              <a:t>Learn some methods not taught in class</a:t>
+            </a:r>
+          </a:p>
+          <a:p>
+            <a:pPr lvl="2"/>
+            <a:r>
+              <a:rPr lang="en-US" dirty="0" smtClean="0"/>
+              <a:t>Learn software tools</a:t>
+            </a:r>
+          </a:p>
+          <a:p>
+            <a:pPr lvl="3"/>
+            <a:r>
+              <a:rPr lang="en-US" dirty="0" err="1" smtClean="0"/>
+              <a:t>Git</a:t>
+            </a:r>
+            <a:r>
+              <a:rPr lang="en-US" dirty="0" smtClean="0"/>
+              <a:t> </a:t>
+            </a:r>
+          </a:p>
+          <a:p>
+            <a:pPr lvl="3"/>
+            <a:r>
+              <a:rPr lang="en-US" dirty="0" err="1" smtClean="0"/>
+              <a:t>Rmarkdown</a:t>
+            </a:r>
+            <a:endParaRPr lang="en-US" dirty="0"/>
+          </a:p>
+          <a:p>
+            <a:pPr lvl="1"/>
+            <a:r>
+              <a:rPr lang="en-US" dirty="0"/>
+              <a:t>Talk with other (&amp; older) students</a:t>
+            </a:r>
+          </a:p>
+          <a:p>
+            <a:pPr lvl="1"/>
+            <a:r>
+              <a:rPr lang="en-US" dirty="0">
+                <a:sym typeface="Wingdings" panose="05000000000000000000" pitchFamily="2" charset="2"/>
+              </a:rPr>
+              <a:t>Be a part of the stats world </a:t>
+            </a:r>
+            <a:endParaRPr lang="en-US" dirty="0" smtClean="0">
+              <a:sym typeface="Wingdings" panose="05000000000000000000" pitchFamily="2" charset="2"/>
+            </a:endParaRPr>
+          </a:p>
+          <a:p>
+            <a:pPr lvl="2"/>
+            <a:r>
+              <a:rPr lang="en-US" dirty="0" smtClean="0"/>
+              <a:t>Follow </a:t>
+            </a:r>
+            <a:r>
+              <a:rPr lang="en-US" dirty="0"/>
+              <a:t>smart statisticians on twitter</a:t>
+            </a:r>
+            <a:r>
+              <a:rPr lang="en-US" dirty="0" smtClean="0"/>
+              <a:t>! </a:t>
+            </a:r>
+            <a:r>
+              <a:rPr lang="en-US" dirty="0" smtClean="0">
+                <a:sym typeface="Wingdings" panose="05000000000000000000" pitchFamily="2" charset="2"/>
+              </a:rPr>
+              <a:t></a:t>
+            </a:r>
+          </a:p>
+          <a:p>
+            <a:pPr lvl="2"/>
+            <a:r>
+              <a:rPr lang="en-US" dirty="0" smtClean="0">
+                <a:sym typeface="Wingdings" panose="05000000000000000000" pitchFamily="2" charset="2"/>
+              </a:rPr>
+              <a:t>Join ASA</a:t>
+            </a:r>
+          </a:p>
+          <a:p>
+            <a:pPr lvl="2"/>
+            <a:endParaRPr lang="en-US" dirty="0"/>
+          </a:p>
+        </p:txBody>
+      </p:sp>
+    </p:spTree>
+    <p:extLst>
+      <p:ext uri="{BB962C8B-B14F-4D97-AF65-F5344CB8AC3E}">
+        <p14:creationId xmlns:p14="http://schemas.microsoft.com/office/powerpoint/2010/main" val="1607606516"/>
+      </p:ext>
+    </p:extLst>
+  </p:cSld>
+  <p:clrMapOvr>
+    <a:masterClrMapping/>
+  </p:clrMapOvr>
 </p:sld>
 </file>
 

--- a/BSA Internship Workshop 2016 Slides.pptx
+++ b/BSA Internship Workshop 2016 Slides.pptx
@@ -5,7 +5,7 @@
     <p:sldMasterId id="2147483648" r:id="rId1"/>
   </p:sldMasterIdLst>
   <p:notesMasterIdLst>
-    <p:notesMasterId r:id="rId43"/>
+    <p:notesMasterId r:id="rId42"/>
   </p:notesMasterIdLst>
   <p:sldIdLst>
     <p:sldId id="256" r:id="rId2"/>
@@ -39,16 +39,15 @@
     <p:sldId id="295" r:id="rId30"/>
     <p:sldId id="290" r:id="rId31"/>
     <p:sldId id="279" r:id="rId32"/>
-    <p:sldId id="293" r:id="rId33"/>
-    <p:sldId id="280" r:id="rId34"/>
-    <p:sldId id="292" r:id="rId35"/>
-    <p:sldId id="281" r:id="rId36"/>
-    <p:sldId id="282" r:id="rId37"/>
-    <p:sldId id="297" r:id="rId38"/>
-    <p:sldId id="283" r:id="rId39"/>
-    <p:sldId id="284" r:id="rId40"/>
-    <p:sldId id="285" r:id="rId41"/>
-    <p:sldId id="303" r:id="rId42"/>
+    <p:sldId id="280" r:id="rId33"/>
+    <p:sldId id="292" r:id="rId34"/>
+    <p:sldId id="281" r:id="rId35"/>
+    <p:sldId id="282" r:id="rId36"/>
+    <p:sldId id="297" r:id="rId37"/>
+    <p:sldId id="283" r:id="rId38"/>
+    <p:sldId id="284" r:id="rId39"/>
+    <p:sldId id="285" r:id="rId40"/>
+    <p:sldId id="303" r:id="rId41"/>
   </p:sldIdLst>
   <p:sldSz cx="9144000" cy="6858000" type="screen4x3"/>
   <p:notesSz cx="6858000" cy="9144000"/>
@@ -779,6 +778,98 @@
     <p:extLst>
       <p:ext uri="{BB962C8B-B14F-4D97-AF65-F5344CB8AC3E}">
         <p14:creationId xmlns:p14="http://schemas.microsoft.com/office/powerpoint/2010/main" val="4226736741"/>
+      </p:ext>
+    </p:extLst>
+  </p:cSld>
+  <p:clrMapOvr>
+    <a:masterClrMapping/>
+  </p:clrMapOvr>
+</p:notes>
+</file>
+
+<file path=ppt/notesSlides/notesSlide4.xml><?xml version="1.0" encoding="utf-8"?>
+<p:notes xmlns:a="http://schemas.openxmlformats.org/drawingml/2006/main" xmlns:r="http://schemas.openxmlformats.org/officeDocument/2006/relationships" xmlns:p="http://schemas.openxmlformats.org/presentationml/2006/main">
+  <p:cSld>
+    <p:spTree>
+      <p:nvGrpSpPr>
+        <p:cNvPr id="1" name=""/>
+        <p:cNvGrpSpPr/>
+        <p:nvPr/>
+      </p:nvGrpSpPr>
+      <p:grpSpPr>
+        <a:xfrm>
+          <a:off x="0" y="0"/>
+          <a:ext cx="0" cy="0"/>
+          <a:chOff x="0" y="0"/>
+          <a:chExt cx="0" cy="0"/>
+        </a:xfrm>
+      </p:grpSpPr>
+      <p:sp>
+        <p:nvSpPr>
+          <p:cNvPr id="2" name="Slide Image Placeholder 1"/>
+          <p:cNvSpPr>
+            <a:spLocks noGrp="1" noRot="1" noChangeAspect="1"/>
+          </p:cNvSpPr>
+          <p:nvPr>
+            <p:ph type="sldImg"/>
+          </p:nvPr>
+        </p:nvSpPr>
+        <p:spPr/>
+      </p:sp>
+      <p:sp>
+        <p:nvSpPr>
+          <p:cNvPr id="3" name="Notes Placeholder 2"/>
+          <p:cNvSpPr>
+            <a:spLocks noGrp="1"/>
+          </p:cNvSpPr>
+          <p:nvPr>
+            <p:ph type="body" idx="1"/>
+          </p:nvPr>
+        </p:nvSpPr>
+        <p:spPr/>
+        <p:txBody>
+          <a:bodyPr/>
+          <a:lstStyle/>
+          <a:p>
+            <a:r>
+              <a:rPr lang="en-US" dirty="0" smtClean="0"/>
+              <a:t>Mention</a:t>
+            </a:r>
+            <a:r>
+              <a:rPr lang="en-US" baseline="0" dirty="0" smtClean="0"/>
+              <a:t> that lots of </a:t>
+            </a:r>
+            <a:endParaRPr lang="en-US" dirty="0"/>
+          </a:p>
+        </p:txBody>
+      </p:sp>
+      <p:sp>
+        <p:nvSpPr>
+          <p:cNvPr id="4" name="Slide Number Placeholder 3"/>
+          <p:cNvSpPr>
+            <a:spLocks noGrp="1"/>
+          </p:cNvSpPr>
+          <p:nvPr>
+            <p:ph type="sldNum" sz="quarter" idx="10"/>
+          </p:nvPr>
+        </p:nvSpPr>
+        <p:spPr/>
+        <p:txBody>
+          <a:bodyPr/>
+          <a:lstStyle/>
+          <a:p>
+            <a:fld id="{85233F3A-B2E7-48C2-9F1C-FFCB2EB89E09}" type="slidenum">
+              <a:rPr lang="en-US" smtClean="0"/>
+              <a:t>8</a:t>
+            </a:fld>
+            <a:endParaRPr lang="en-US"/>
+          </a:p>
+        </p:txBody>
+      </p:sp>
+    </p:spTree>
+    <p:extLst>
+      <p:ext uri="{BB962C8B-B14F-4D97-AF65-F5344CB8AC3E}">
+        <p14:creationId xmlns:p14="http://schemas.microsoft.com/office/powerpoint/2010/main" val="2120436838"/>
       </p:ext>
     </p:extLst>
   </p:cSld>
@@ -3843,13 +3934,24 @@
             <p:ph type="subTitle" idx="1"/>
           </p:nvPr>
         </p:nvSpPr>
-        <p:spPr/>
-        <p:txBody>
-          <a:bodyPr/>
-          <a:lstStyle/>
-          <a:p>
-            <a:r>
-              <a:rPr lang="en-US" dirty="0" smtClean="0"/>
+        <p:spPr>
+          <a:xfrm>
+            <a:off x="838200" y="3886200"/>
+            <a:ext cx="7620000" cy="2743200"/>
+          </a:xfrm>
+        </p:spPr>
+        <p:txBody>
+          <a:bodyPr>
+            <a:normAutofit fontScale="92500" lnSpcReduction="20000"/>
+          </a:bodyPr>
+          <a:lstStyle/>
+          <a:p>
+            <a:r>
+              <a:rPr lang="en-US" dirty="0" smtClean="0">
+                <a:solidFill>
+                  <a:schemeClr val="tx1"/>
+                </a:solidFill>
+              </a:rPr>
               <a:t>12/5/2016</a:t>
             </a:r>
           </a:p>
@@ -3858,9 +3960,41 @@
           </a:p>
           <a:p>
             <a:r>
-              <a:rPr lang="en-US" dirty="0" smtClean="0"/>
-              <a:t>Brian Barkley, Yue Jiang</a:t>
-            </a:r>
+              <a:rPr lang="en-US" dirty="0" smtClean="0">
+                <a:solidFill>
+                  <a:schemeClr val="tx1"/>
+                </a:solidFill>
+              </a:rPr>
+              <a:t>Brian Barkley, Yue </a:t>
+            </a:r>
+            <a:r>
+              <a:rPr lang="en-US" dirty="0" smtClean="0">
+                <a:solidFill>
+                  <a:schemeClr val="tx1"/>
+                </a:solidFill>
+              </a:rPr>
+              <a:t>Jiang</a:t>
+            </a:r>
+          </a:p>
+          <a:p>
+            <a:endParaRPr lang="en-US" dirty="0"/>
+          </a:p>
+          <a:p>
+            <a:r>
+              <a:rPr lang="en-US" dirty="0" smtClean="0"/>
+              <a:t>Slides available for download at: </a:t>
+            </a:r>
+            <a:r>
+              <a:rPr lang="en-US" dirty="0" smtClean="0">
+                <a:hlinkClick r:id="rId2"/>
+              </a:rPr>
+              <a:t>https://github.com/BarkleyBG/BSA_info</a:t>
+            </a:r>
+            <a:r>
+              <a:rPr lang="en-US" dirty="0" smtClean="0"/>
+              <a:t> </a:t>
+            </a:r>
+            <a:endParaRPr lang="en-US" dirty="0" smtClean="0"/>
           </a:p>
           <a:p>
             <a:endParaRPr lang="en-US" dirty="0"/>
@@ -8413,8 +8547,27 @@
             <a:pPr lvl="1"/>
             <a:r>
               <a:rPr lang="en-US" dirty="0" smtClean="0"/>
-              <a:t>What did you write about?</a:t>
-            </a:r>
+              <a:t>In your writing, how did you discuss UNC?</a:t>
+            </a:r>
+          </a:p>
+          <a:p>
+            <a:pPr lvl="2"/>
+            <a:r>
+              <a:rPr lang="en-US" dirty="0" smtClean="0"/>
+              <a:t>What did you say interested you about UNC?</a:t>
+            </a:r>
+          </a:p>
+          <a:p>
+            <a:pPr lvl="2"/>
+            <a:r>
+              <a:rPr lang="en-US" dirty="0" smtClean="0"/>
+              <a:t>Did you mention any centers or research groups by name?</a:t>
+            </a:r>
+            <a:endParaRPr lang="en-US" dirty="0" smtClean="0"/>
+          </a:p>
+          <a:p>
+            <a:pPr lvl="3"/>
+            <a:endParaRPr lang="en-US" dirty="0" smtClean="0"/>
           </a:p>
           <a:p>
             <a:pPr lvl="1"/>
@@ -8433,7 +8586,7 @@
     </p:spTree>
     <p:extLst>
       <p:ext uri="{BB962C8B-B14F-4D97-AF65-F5344CB8AC3E}">
-        <p14:creationId xmlns:p14="http://schemas.microsoft.com/office/powerpoint/2010/main" val="3223655463"/>
+        <p14:creationId xmlns:p14="http://schemas.microsoft.com/office/powerpoint/2010/main" val="2732068919"/>
       </p:ext>
     </p:extLst>
   </p:cSld>
@@ -8530,23 +8683,58 @@
             <a:pPr lvl="1"/>
             <a:r>
               <a:rPr lang="en-US" dirty="0" smtClean="0"/>
-              <a:t>In your writing, how did you discuss UNC?</a:t>
+              <a:t>Knowing </a:t>
+            </a:r>
+            <a:r>
+              <a:rPr lang="en-US" dirty="0" smtClean="0"/>
+              <a:t>what you know now about UNC, what would you write about?</a:t>
             </a:r>
           </a:p>
           <a:p>
             <a:pPr lvl="2"/>
             <a:r>
               <a:rPr lang="en-US" dirty="0" smtClean="0"/>
-              <a:t>What did you say interested you about UNC?</a:t>
+              <a:t>CSCC? </a:t>
             </a:r>
           </a:p>
           <a:p>
             <a:pPr lvl="2"/>
             <a:r>
-              <a:rPr lang="en-US" dirty="0" smtClean="0"/>
-              <a:t>Did you mention any centers or research groups by name?</a:t>
-            </a:r>
-            <a:endParaRPr lang="en-US" dirty="0" smtClean="0"/>
+              <a:rPr lang="en-US" dirty="0" err="1" smtClean="0"/>
+              <a:t>NCTracs</a:t>
+            </a:r>
+            <a:r>
+              <a:rPr lang="en-US" dirty="0" smtClean="0"/>
+              <a:t>?</a:t>
+            </a:r>
+          </a:p>
+          <a:p>
+            <a:pPr lvl="2"/>
+            <a:r>
+              <a:rPr lang="en-US" dirty="0" smtClean="0"/>
+              <a:t>SMART trials? </a:t>
+            </a:r>
+          </a:p>
+          <a:p>
+            <a:pPr lvl="2"/>
+            <a:r>
+              <a:rPr lang="en-US" dirty="0" smtClean="0"/>
+              <a:t>Ties to Pharma and Rho and Quintiles? </a:t>
+            </a:r>
+          </a:p>
+          <a:p>
+            <a:pPr lvl="2"/>
+            <a:r>
+              <a:rPr lang="en-US" dirty="0" smtClean="0"/>
+              <a:t>Long tradition and history?</a:t>
+            </a:r>
+          </a:p>
+          <a:p>
+            <a:pPr lvl="3"/>
+            <a:r>
+              <a:rPr lang="en-US" sz="2400" dirty="0" smtClean="0"/>
+              <a:t>These are all available online, no?</a:t>
+            </a:r>
           </a:p>
           <a:p>
             <a:pPr lvl="3"/>
@@ -8569,7 +8757,7 @@
     </p:spTree>
     <p:extLst>
       <p:ext uri="{BB962C8B-B14F-4D97-AF65-F5344CB8AC3E}">
-        <p14:creationId xmlns:p14="http://schemas.microsoft.com/office/powerpoint/2010/main" val="2732068919"/>
+        <p14:creationId xmlns:p14="http://schemas.microsoft.com/office/powerpoint/2010/main" val="386448841"/>
       </p:ext>
     </p:extLst>
   </p:cSld>
@@ -8615,187 +8803,6 @@
         </p:nvSpPr>
         <p:spPr/>
         <p:txBody>
-          <a:bodyPr>
-            <a:normAutofit fontScale="90000"/>
-          </a:bodyPr>
-          <a:lstStyle/>
-          <a:p>
-            <a:r>
-              <a:rPr lang="en-US" dirty="0"/>
-              <a:t>Small group BREAKOUT – 5 minutes</a:t>
-            </a:r>
-          </a:p>
-        </p:txBody>
-      </p:sp>
-      <p:sp>
-        <p:nvSpPr>
-          <p:cNvPr id="3" name="Content Placeholder 2"/>
-          <p:cNvSpPr>
-            <a:spLocks noGrp="1"/>
-          </p:cNvSpPr>
-          <p:nvPr>
-            <p:ph idx="1"/>
-          </p:nvPr>
-        </p:nvSpPr>
-        <p:spPr>
-          <a:xfrm>
-            <a:off x="76200" y="1295400"/>
-            <a:ext cx="8839200" cy="5638800"/>
-          </a:xfrm>
-        </p:spPr>
-        <p:txBody>
-          <a:bodyPr>
-            <a:normAutofit/>
-          </a:bodyPr>
-          <a:lstStyle/>
-          <a:p>
-            <a:r>
-              <a:rPr lang="en-US" dirty="0" smtClean="0"/>
-              <a:t>Get </a:t>
-            </a:r>
-            <a:r>
-              <a:rPr lang="en-US" dirty="0"/>
-              <a:t>out your personal statement for your UNC BIOS applications</a:t>
-            </a:r>
-            <a:r>
-              <a:rPr lang="en-US" dirty="0" smtClean="0"/>
-              <a:t>!</a:t>
-            </a:r>
-          </a:p>
-          <a:p>
-            <a:pPr lvl="1"/>
-            <a:r>
-              <a:rPr lang="en-US" dirty="0" smtClean="0"/>
-              <a:t>What did you write about?</a:t>
-            </a:r>
-          </a:p>
-          <a:p>
-            <a:pPr lvl="2"/>
-            <a:r>
-              <a:rPr lang="en-US" dirty="0"/>
-              <a:t>(are you doing that now? It’s okay if you’re not!)</a:t>
-            </a:r>
-          </a:p>
-          <a:p>
-            <a:pPr lvl="1"/>
-            <a:r>
-              <a:rPr lang="en-US" dirty="0" smtClean="0"/>
-              <a:t>Knowing what you know now about UNC, what would you write about?</a:t>
-            </a:r>
-          </a:p>
-          <a:p>
-            <a:pPr lvl="2"/>
-            <a:r>
-              <a:rPr lang="en-US" dirty="0" smtClean="0"/>
-              <a:t>CSCC? </a:t>
-            </a:r>
-          </a:p>
-          <a:p>
-            <a:pPr lvl="2"/>
-            <a:r>
-              <a:rPr lang="en-US" dirty="0" err="1" smtClean="0"/>
-              <a:t>NCTracs</a:t>
-            </a:r>
-            <a:r>
-              <a:rPr lang="en-US" dirty="0" smtClean="0"/>
-              <a:t>?</a:t>
-            </a:r>
-          </a:p>
-          <a:p>
-            <a:pPr lvl="2"/>
-            <a:r>
-              <a:rPr lang="en-US" dirty="0" smtClean="0"/>
-              <a:t>SMART trials? </a:t>
-            </a:r>
-          </a:p>
-          <a:p>
-            <a:pPr lvl="2"/>
-            <a:r>
-              <a:rPr lang="en-US" dirty="0" smtClean="0"/>
-              <a:t>Ties to Pharma and Rho and Quintiles? </a:t>
-            </a:r>
-          </a:p>
-          <a:p>
-            <a:pPr lvl="2"/>
-            <a:r>
-              <a:rPr lang="en-US" dirty="0" smtClean="0"/>
-              <a:t>Long tradition and history?</a:t>
-            </a:r>
-          </a:p>
-          <a:p>
-            <a:pPr lvl="3"/>
-            <a:r>
-              <a:rPr lang="en-US" sz="2400" dirty="0" smtClean="0"/>
-              <a:t>These are all available online, no?</a:t>
-            </a:r>
-          </a:p>
-          <a:p>
-            <a:pPr lvl="3"/>
-            <a:endParaRPr lang="en-US" dirty="0" smtClean="0"/>
-          </a:p>
-          <a:p>
-            <a:pPr lvl="1"/>
-            <a:endParaRPr lang="en-US" dirty="0" smtClean="0"/>
-          </a:p>
-          <a:p>
-            <a:pPr lvl="1"/>
-            <a:endParaRPr lang="en-US" dirty="0" smtClean="0"/>
-          </a:p>
-          <a:p>
-            <a:pPr lvl="1"/>
-            <a:endParaRPr lang="en-US" dirty="0" smtClean="0"/>
-          </a:p>
-        </p:txBody>
-      </p:sp>
-    </p:spTree>
-    <p:extLst>
-      <p:ext uri="{BB962C8B-B14F-4D97-AF65-F5344CB8AC3E}">
-        <p14:creationId xmlns:p14="http://schemas.microsoft.com/office/powerpoint/2010/main" val="386448841"/>
-      </p:ext>
-    </p:extLst>
-  </p:cSld>
-  <p:clrMapOvr>
-    <a:masterClrMapping/>
-  </p:clrMapOvr>
-  <p:timing>
-    <p:tnLst>
-      <p:par>
-        <p:cTn id="1" dur="indefinite" restart="never" nodeType="tmRoot"/>
-      </p:par>
-    </p:tnLst>
-  </p:timing>
-</p:sld>
-</file>
-
-<file path=ppt/slides/slide35.xml><?xml version="1.0" encoding="utf-8"?>
-<p:sld xmlns:a="http://schemas.openxmlformats.org/drawingml/2006/main" xmlns:r="http://schemas.openxmlformats.org/officeDocument/2006/relationships" xmlns:p="http://schemas.openxmlformats.org/presentationml/2006/main">
-  <p:cSld>
-    <p:spTree>
-      <p:nvGrpSpPr>
-        <p:cNvPr id="1" name=""/>
-        <p:cNvGrpSpPr/>
-        <p:nvPr/>
-      </p:nvGrpSpPr>
-      <p:grpSpPr>
-        <a:xfrm>
-          <a:off x="0" y="0"/>
-          <a:ext cx="0" cy="0"/>
-          <a:chOff x="0" y="0"/>
-          <a:chExt cx="0" cy="0"/>
-        </a:xfrm>
-      </p:grpSpPr>
-      <p:sp>
-        <p:nvSpPr>
-          <p:cNvPr id="2" name="Title 1"/>
-          <p:cNvSpPr>
-            <a:spLocks noGrp="1"/>
-          </p:cNvSpPr>
-          <p:nvPr>
-            <p:ph type="title"/>
-          </p:nvPr>
-        </p:nvSpPr>
-        <p:spPr/>
-        <p:txBody>
           <a:bodyPr/>
           <a:lstStyle/>
           <a:p>
@@ -8906,7 +8913,7 @@
 </p:sld>
 </file>
 
-<file path=ppt/slides/slide36.xml><?xml version="1.0" encoding="utf-8"?>
+<file path=ppt/slides/slide35.xml><?xml version="1.0" encoding="utf-8"?>
 <p:sld xmlns:a="http://schemas.openxmlformats.org/drawingml/2006/main" xmlns:r="http://schemas.openxmlformats.org/officeDocument/2006/relationships" xmlns:p="http://schemas.openxmlformats.org/presentationml/2006/main">
   <p:cSld>
     <p:spTree>
@@ -9014,7 +9021,7 @@
 </p:sld>
 </file>
 
-<file path=ppt/slides/slide37.xml><?xml version="1.0" encoding="utf-8"?>
+<file path=ppt/slides/slide36.xml><?xml version="1.0" encoding="utf-8"?>
 <p:sld xmlns:a="http://schemas.openxmlformats.org/drawingml/2006/main" xmlns:r="http://schemas.openxmlformats.org/officeDocument/2006/relationships" xmlns:p="http://schemas.openxmlformats.org/presentationml/2006/main">
   <p:cSld>
     <p:spTree>
@@ -9219,7 +9226,7 @@
 </p:sld>
 </file>
 
-<file path=ppt/slides/slide38.xml><?xml version="1.0" encoding="utf-8"?>
+<file path=ppt/slides/slide37.xml><?xml version="1.0" encoding="utf-8"?>
 <p:sld xmlns:a="http://schemas.openxmlformats.org/drawingml/2006/main" xmlns:r="http://schemas.openxmlformats.org/officeDocument/2006/relationships" xmlns:p="http://schemas.openxmlformats.org/presentationml/2006/main">
   <p:cSld>
     <p:spTree>
@@ -9389,7 +9396,7 @@
 </p:sld>
 </file>
 
-<file path=ppt/slides/slide39.xml><?xml version="1.0" encoding="utf-8"?>
+<file path=ppt/slides/slide38.xml><?xml version="1.0" encoding="utf-8"?>
 <p:sld xmlns:a="http://schemas.openxmlformats.org/drawingml/2006/main" xmlns:r="http://schemas.openxmlformats.org/officeDocument/2006/relationships" xmlns:p="http://schemas.openxmlformats.org/presentationml/2006/main">
   <p:cSld>
     <p:spTree>
@@ -9926,6 +9933,155 @@
 </p:sld>
 </file>
 
+<file path=ppt/slides/slide39.xml><?xml version="1.0" encoding="utf-8"?>
+<p:sld xmlns:a="http://schemas.openxmlformats.org/drawingml/2006/main" xmlns:r="http://schemas.openxmlformats.org/officeDocument/2006/relationships" xmlns:p="http://schemas.openxmlformats.org/presentationml/2006/main">
+  <p:cSld>
+    <p:spTree>
+      <p:nvGrpSpPr>
+        <p:cNvPr id="1" name=""/>
+        <p:cNvGrpSpPr/>
+        <p:nvPr/>
+      </p:nvGrpSpPr>
+      <p:grpSpPr>
+        <a:xfrm>
+          <a:off x="0" y="0"/>
+          <a:ext cx="0" cy="0"/>
+          <a:chOff x="0" y="0"/>
+          <a:chExt cx="0" cy="0"/>
+        </a:xfrm>
+      </p:grpSpPr>
+      <p:sp>
+        <p:nvSpPr>
+          <p:cNvPr id="2" name="Title 1"/>
+          <p:cNvSpPr>
+            <a:spLocks noGrp="1"/>
+          </p:cNvSpPr>
+          <p:nvPr>
+            <p:ph type="title"/>
+          </p:nvPr>
+        </p:nvSpPr>
+        <p:spPr/>
+        <p:txBody>
+          <a:bodyPr/>
+          <a:lstStyle/>
+          <a:p>
+            <a:r>
+              <a:rPr lang="en-US" dirty="0" smtClean="0"/>
+              <a:t>What’s next for YOU?</a:t>
+            </a:r>
+            <a:endParaRPr lang="en-US" dirty="0"/>
+          </a:p>
+        </p:txBody>
+      </p:sp>
+      <p:sp>
+        <p:nvSpPr>
+          <p:cNvPr id="3" name="Content Placeholder 2"/>
+          <p:cNvSpPr>
+            <a:spLocks noGrp="1"/>
+          </p:cNvSpPr>
+          <p:nvPr>
+            <p:ph idx="1"/>
+          </p:nvPr>
+        </p:nvSpPr>
+        <p:spPr>
+          <a:xfrm>
+            <a:off x="152400" y="1600200"/>
+            <a:ext cx="8763000" cy="5105400"/>
+          </a:xfrm>
+        </p:spPr>
+        <p:txBody>
+          <a:bodyPr>
+            <a:normAutofit lnSpcReduction="10000"/>
+          </a:bodyPr>
+          <a:lstStyle/>
+          <a:p>
+            <a:r>
+              <a:rPr lang="en-US" dirty="0" smtClean="0"/>
+              <a:t>Which of these is taught explicitly in the classroom?</a:t>
+            </a:r>
+          </a:p>
+          <a:p>
+            <a:pPr lvl="1"/>
+            <a:r>
+              <a:rPr lang="en-US" dirty="0" err="1" smtClean="0"/>
+              <a:t>Git</a:t>
+            </a:r>
+            <a:endParaRPr lang="en-US" dirty="0" smtClean="0"/>
+          </a:p>
+          <a:p>
+            <a:pPr lvl="1"/>
+            <a:r>
+              <a:rPr lang="en-US" dirty="0" smtClean="0"/>
+              <a:t>Databases</a:t>
+            </a:r>
+          </a:p>
+          <a:p>
+            <a:pPr lvl="1"/>
+            <a:r>
+              <a:rPr lang="en-US" dirty="0" smtClean="0"/>
+              <a:t>Machine learning</a:t>
+            </a:r>
+          </a:p>
+          <a:p>
+            <a:pPr lvl="1"/>
+            <a:r>
+              <a:rPr lang="en-US" dirty="0" smtClean="0"/>
+              <a:t>Packaging code</a:t>
+            </a:r>
+          </a:p>
+          <a:p>
+            <a:pPr lvl="1"/>
+            <a:r>
+              <a:rPr lang="en-US" dirty="0" smtClean="0"/>
+              <a:t>Soft skills</a:t>
+            </a:r>
+          </a:p>
+          <a:p>
+            <a:pPr lvl="1"/>
+            <a:r>
+              <a:rPr lang="en-US" dirty="0" smtClean="0"/>
+              <a:t>Communication</a:t>
+            </a:r>
+          </a:p>
+          <a:p>
+            <a:pPr lvl="1"/>
+            <a:r>
+              <a:rPr lang="en-US" dirty="0" smtClean="0"/>
+              <a:t>Project management</a:t>
+            </a:r>
+          </a:p>
+          <a:p>
+            <a:pPr lvl="1"/>
+            <a:r>
+              <a:rPr lang="en-US" dirty="0" smtClean="0"/>
+              <a:t>Self-motivation</a:t>
+            </a:r>
+          </a:p>
+          <a:p>
+            <a:endParaRPr lang="en-US" dirty="0"/>
+          </a:p>
+        </p:txBody>
+      </p:sp>
+    </p:spTree>
+    <p:extLst>
+      <p:ext uri="{BB962C8B-B14F-4D97-AF65-F5344CB8AC3E}">
+        <p14:creationId xmlns:p14="http://schemas.microsoft.com/office/powerpoint/2010/main" val="3093539082"/>
+      </p:ext>
+    </p:extLst>
+  </p:cSld>
+  <p:clrMapOvr>
+    <a:masterClrMapping/>
+  </p:clrMapOvr>
+  <p:timing>
+    <p:tnLst>
+      <p:par>
+        <p:cTn id="1" dur="indefinite" restart="never" nodeType="tmRoot"/>
+      </p:par>
+    </p:tnLst>
+  </p:timing>
+</p:sld>
+</file>
+
 <file path=ppt/slides/slide4.xml><?xml version="1.0" encoding="utf-8"?>
 <p:sld xmlns:a="http://schemas.openxmlformats.org/drawingml/2006/main" xmlns:r="http://schemas.openxmlformats.org/officeDocument/2006/relationships" xmlns:p="http://schemas.openxmlformats.org/presentationml/2006/main">
   <p:cSld>
@@ -10097,156 +10253,12 @@
             <p:ph type="title"/>
           </p:nvPr>
         </p:nvSpPr>
-        <p:spPr/>
-        <p:txBody>
-          <a:bodyPr/>
-          <a:lstStyle/>
-          <a:p>
-            <a:r>
-              <a:rPr lang="en-US" dirty="0" smtClean="0"/>
-              <a:t>What’s next for YOU?</a:t>
-            </a:r>
-            <a:endParaRPr lang="en-US" dirty="0"/>
-          </a:p>
-        </p:txBody>
-      </p:sp>
-      <p:sp>
-        <p:nvSpPr>
-          <p:cNvPr id="3" name="Content Placeholder 2"/>
-          <p:cNvSpPr>
-            <a:spLocks noGrp="1"/>
-          </p:cNvSpPr>
-          <p:nvPr>
-            <p:ph idx="1"/>
-          </p:nvPr>
-        </p:nvSpPr>
         <p:spPr>
           <a:xfrm>
-            <a:off x="152400" y="1600200"/>
-            <a:ext cx="8763000" cy="5105400"/>
+            <a:off x="457200" y="0"/>
+            <a:ext cx="8229600" cy="1143000"/>
           </a:xfrm>
         </p:spPr>
-        <p:txBody>
-          <a:bodyPr>
-            <a:normAutofit lnSpcReduction="10000"/>
-          </a:bodyPr>
-          <a:lstStyle/>
-          <a:p>
-            <a:r>
-              <a:rPr lang="en-US" dirty="0" smtClean="0"/>
-              <a:t>Which of these is taught explicitly in the classroom?</a:t>
-            </a:r>
-          </a:p>
-          <a:p>
-            <a:pPr lvl="1"/>
-            <a:r>
-              <a:rPr lang="en-US" dirty="0" err="1" smtClean="0"/>
-              <a:t>Git</a:t>
-            </a:r>
-            <a:endParaRPr lang="en-US" dirty="0" smtClean="0"/>
-          </a:p>
-          <a:p>
-            <a:pPr lvl="1"/>
-            <a:r>
-              <a:rPr lang="en-US" dirty="0" smtClean="0"/>
-              <a:t>Databases</a:t>
-            </a:r>
-          </a:p>
-          <a:p>
-            <a:pPr lvl="1"/>
-            <a:r>
-              <a:rPr lang="en-US" dirty="0" smtClean="0"/>
-              <a:t>Machine learning</a:t>
-            </a:r>
-          </a:p>
-          <a:p>
-            <a:pPr lvl="1"/>
-            <a:r>
-              <a:rPr lang="en-US" dirty="0" smtClean="0"/>
-              <a:t>Packaging code</a:t>
-            </a:r>
-          </a:p>
-          <a:p>
-            <a:pPr lvl="1"/>
-            <a:r>
-              <a:rPr lang="en-US" dirty="0" smtClean="0"/>
-              <a:t>Soft skills</a:t>
-            </a:r>
-          </a:p>
-          <a:p>
-            <a:pPr lvl="1"/>
-            <a:r>
-              <a:rPr lang="en-US" dirty="0" smtClean="0"/>
-              <a:t>Communication</a:t>
-            </a:r>
-          </a:p>
-          <a:p>
-            <a:pPr lvl="1"/>
-            <a:r>
-              <a:rPr lang="en-US" dirty="0" smtClean="0"/>
-              <a:t>Project management</a:t>
-            </a:r>
-          </a:p>
-          <a:p>
-            <a:pPr lvl="1"/>
-            <a:r>
-              <a:rPr lang="en-US" dirty="0" smtClean="0"/>
-              <a:t>Self-motivation</a:t>
-            </a:r>
-          </a:p>
-          <a:p>
-            <a:endParaRPr lang="en-US" dirty="0"/>
-          </a:p>
-        </p:txBody>
-      </p:sp>
-    </p:spTree>
-    <p:extLst>
-      <p:ext uri="{BB962C8B-B14F-4D97-AF65-F5344CB8AC3E}">
-        <p14:creationId xmlns:p14="http://schemas.microsoft.com/office/powerpoint/2010/main" val="3093539082"/>
-      </p:ext>
-    </p:extLst>
-  </p:cSld>
-  <p:clrMapOvr>
-    <a:masterClrMapping/>
-  </p:clrMapOvr>
-  <p:timing>
-    <p:tnLst>
-      <p:par>
-        <p:cTn id="1" dur="indefinite" restart="never" nodeType="tmRoot"/>
-      </p:par>
-    </p:tnLst>
-  </p:timing>
-</p:sld>
-</file>
-
-<file path=ppt/slides/slide41.xml><?xml version="1.0" encoding="utf-8"?>
-<p:sld xmlns:a="http://schemas.openxmlformats.org/drawingml/2006/main" xmlns:r="http://schemas.openxmlformats.org/officeDocument/2006/relationships" xmlns:p="http://schemas.openxmlformats.org/presentationml/2006/main">
-  <p:cSld>
-    <p:spTree>
-      <p:nvGrpSpPr>
-        <p:cNvPr id="1" name=""/>
-        <p:cNvGrpSpPr/>
-        <p:nvPr/>
-      </p:nvGrpSpPr>
-      <p:grpSpPr>
-        <a:xfrm>
-          <a:off x="0" y="0"/>
-          <a:ext cx="0" cy="0"/>
-          <a:chOff x="0" y="0"/>
-          <a:chExt cx="0" cy="0"/>
-        </a:xfrm>
-      </p:grpSpPr>
-      <p:sp>
-        <p:nvSpPr>
-          <p:cNvPr id="2" name="Title 1"/>
-          <p:cNvSpPr>
-            <a:spLocks noGrp="1"/>
-          </p:cNvSpPr>
-          <p:nvPr>
-            <p:ph type="title"/>
-          </p:nvPr>
-        </p:nvSpPr>
-        <p:spPr/>
         <p:txBody>
           <a:bodyPr>
             <a:normAutofit/>
@@ -10270,10 +10282,15 @@
             <p:ph idx="1"/>
           </p:nvPr>
         </p:nvSpPr>
-        <p:spPr/>
+        <p:spPr>
+          <a:xfrm>
+            <a:off x="0" y="762000"/>
+            <a:ext cx="9144000" cy="6096000"/>
+          </a:xfrm>
+        </p:spPr>
         <p:txBody>
           <a:bodyPr>
-            <a:normAutofit lnSpcReduction="10000"/>
+            <a:normAutofit fontScale="92500" lnSpcReduction="20000"/>
           </a:bodyPr>
           <a:lstStyle/>
           <a:p>
@@ -10330,7 +10347,7 @@
             <a:pPr lvl="3"/>
             <a:r>
               <a:rPr lang="en-US" dirty="0" err="1" smtClean="0"/>
-              <a:t>Rmarkdown</a:t>
+              <a:t>RMarkdown</a:t>
             </a:r>
             <a:endParaRPr lang="en-US" dirty="0"/>
           </a:p>
@@ -10380,8 +10397,77 @@
               <a:rPr lang="en-US" dirty="0" smtClean="0">
                 <a:sym typeface="Wingdings" panose="05000000000000000000" pitchFamily="2" charset="2"/>
               </a:rPr>
-              <a:t>Join ASA</a:t>
-            </a:r>
+              <a:t>Join ASA / ENAR / ISBA / </a:t>
+            </a:r>
+            <a:r>
+              <a:rPr lang="en-US" dirty="0" err="1" smtClean="0">
+                <a:sym typeface="Wingdings" panose="05000000000000000000" pitchFamily="2" charset="2"/>
+              </a:rPr>
+              <a:t>etc</a:t>
+            </a:r>
+            <a:endParaRPr lang="en-US" dirty="0" smtClean="0">
+              <a:sym typeface="Wingdings" panose="05000000000000000000" pitchFamily="2" charset="2"/>
+            </a:endParaRPr>
+          </a:p>
+          <a:p>
+            <a:pPr lvl="1"/>
+            <a:r>
+              <a:rPr lang="en-US" dirty="0" smtClean="0">
+                <a:sym typeface="Wingdings" panose="05000000000000000000" pitchFamily="2" charset="2"/>
+              </a:rPr>
+              <a:t>Update your materials!</a:t>
+            </a:r>
+          </a:p>
+          <a:p>
+            <a:pPr lvl="2"/>
+            <a:r>
+              <a:rPr lang="en-US" dirty="0" smtClean="0">
+                <a:sym typeface="Wingdings" panose="05000000000000000000" pitchFamily="2" charset="2"/>
+              </a:rPr>
+              <a:t>Spend 15 minutes this week at UNC UCS Drop-In Resume/CV</a:t>
+            </a:r>
+          </a:p>
+          <a:p>
+            <a:pPr lvl="2"/>
+            <a:r>
+              <a:rPr lang="en-US" dirty="0" smtClean="0">
+                <a:sym typeface="Wingdings" panose="05000000000000000000" pitchFamily="2" charset="2"/>
+              </a:rPr>
+              <a:t>Get your LinkedIn up to speed!!</a:t>
+            </a:r>
+          </a:p>
+          <a:p>
+            <a:pPr lvl="2"/>
+            <a:r>
+              <a:rPr lang="en-US" dirty="0" smtClean="0">
+                <a:sym typeface="Wingdings" panose="05000000000000000000" pitchFamily="2" charset="2"/>
+              </a:rPr>
+              <a:t>Consider starting personal webpage to control your online profile</a:t>
+            </a:r>
+          </a:p>
+          <a:p>
+            <a:pPr marL="914400" lvl="2" indent="0">
+              <a:buNone/>
+            </a:pPr>
+            <a:endParaRPr lang="en-US" dirty="0" smtClean="0">
+              <a:sym typeface="Wingdings" panose="05000000000000000000" pitchFamily="2" charset="2"/>
+            </a:endParaRPr>
+          </a:p>
+          <a:p>
+            <a:r>
+              <a:rPr lang="en-US" dirty="0" smtClean="0">
+                <a:sym typeface="Wingdings" panose="05000000000000000000" pitchFamily="2" charset="2"/>
+              </a:rPr>
+              <a:t>Thanks for your time! Go Heels!</a:t>
+            </a:r>
+            <a:endParaRPr lang="en-US" dirty="0">
+              <a:sym typeface="Wingdings" panose="05000000000000000000" pitchFamily="2" charset="2"/>
+            </a:endParaRPr>
+          </a:p>
+          <a:p>
+            <a:endParaRPr lang="en-US" dirty="0" smtClean="0">
+              <a:sym typeface="Wingdings" panose="05000000000000000000" pitchFamily="2" charset="2"/>
+            </a:endParaRPr>
           </a:p>
           <a:p>
             <a:pPr lvl="2"/>

--- a/BSA Internship Workshop 2016 Slides.pptx
+++ b/BSA Internship Workshop 2016 Slides.pptx
@@ -148,7 +148,7 @@
   </p:defaultTextStyle>
   <p:extLst>
     <p:ext uri="{EFAFB233-063F-42B5-8137-9DF3F51BA10A}">
-      <p15:sldGuideLst xmlns="" xmlns:p15="http://schemas.microsoft.com/office/powerpoint/2012/main">
+      <p15:sldGuideLst xmlns:p15="http://schemas.microsoft.com/office/powerpoint/2012/main" xmlns="">
         <p15:guide id="1" orient="horz" pos="2160">
           <p15:clr>
             <a:srgbClr val="A4A3A4"/>
@@ -247,7 +247,7 @@
           <a:p>
             <a:fld id="{54DCC961-02AC-4EB6-9DEE-5A6F9C91BDBE}" type="datetimeFigureOut">
               <a:rPr lang="en-US" smtClean="0"/>
-              <a:t>12/5/2016</a:t>
+              <a:t>12/7/2016</a:t>
             </a:fld>
             <a:endParaRPr lang="en-US"/>
           </a:p>
@@ -1060,7 +1060,7 @@
           <a:p>
             <a:fld id="{4DF9036F-4D36-4BF3-935E-38220818D494}" type="datetimeFigureOut">
               <a:rPr lang="en-US" smtClean="0"/>
-              <a:t>12/5/2016</a:t>
+              <a:t>12/7/2016</a:t>
             </a:fld>
             <a:endParaRPr lang="en-US"/>
           </a:p>
@@ -1230,7 +1230,7 @@
           <a:p>
             <a:fld id="{4DF9036F-4D36-4BF3-935E-38220818D494}" type="datetimeFigureOut">
               <a:rPr lang="en-US" smtClean="0"/>
-              <a:t>12/5/2016</a:t>
+              <a:t>12/7/2016</a:t>
             </a:fld>
             <a:endParaRPr lang="en-US"/>
           </a:p>
@@ -1410,7 +1410,7 @@
           <a:p>
             <a:fld id="{4DF9036F-4D36-4BF3-935E-38220818D494}" type="datetimeFigureOut">
               <a:rPr lang="en-US" smtClean="0"/>
-              <a:t>12/5/2016</a:t>
+              <a:t>12/7/2016</a:t>
             </a:fld>
             <a:endParaRPr lang="en-US"/>
           </a:p>
@@ -1580,7 +1580,7 @@
           <a:p>
             <a:fld id="{4DF9036F-4D36-4BF3-935E-38220818D494}" type="datetimeFigureOut">
               <a:rPr lang="en-US" smtClean="0"/>
-              <a:t>12/5/2016</a:t>
+              <a:t>12/7/2016</a:t>
             </a:fld>
             <a:endParaRPr lang="en-US"/>
           </a:p>
@@ -1826,7 +1826,7 @@
           <a:p>
             <a:fld id="{4DF9036F-4D36-4BF3-935E-38220818D494}" type="datetimeFigureOut">
               <a:rPr lang="en-US" smtClean="0"/>
-              <a:t>12/5/2016</a:t>
+              <a:t>12/7/2016</a:t>
             </a:fld>
             <a:endParaRPr lang="en-US"/>
           </a:p>
@@ -2114,7 +2114,7 @@
           <a:p>
             <a:fld id="{4DF9036F-4D36-4BF3-935E-38220818D494}" type="datetimeFigureOut">
               <a:rPr lang="en-US" smtClean="0"/>
-              <a:t>12/5/2016</a:t>
+              <a:t>12/7/2016</a:t>
             </a:fld>
             <a:endParaRPr lang="en-US"/>
           </a:p>
@@ -2536,7 +2536,7 @@
           <a:p>
             <a:fld id="{4DF9036F-4D36-4BF3-935E-38220818D494}" type="datetimeFigureOut">
               <a:rPr lang="en-US" smtClean="0"/>
-              <a:t>12/5/2016</a:t>
+              <a:t>12/7/2016</a:t>
             </a:fld>
             <a:endParaRPr lang="en-US"/>
           </a:p>
@@ -2654,7 +2654,7 @@
           <a:p>
             <a:fld id="{4DF9036F-4D36-4BF3-935E-38220818D494}" type="datetimeFigureOut">
               <a:rPr lang="en-US" smtClean="0"/>
-              <a:t>12/5/2016</a:t>
+              <a:t>12/7/2016</a:t>
             </a:fld>
             <a:endParaRPr lang="en-US"/>
           </a:p>
@@ -2749,7 +2749,7 @@
           <a:p>
             <a:fld id="{4DF9036F-4D36-4BF3-935E-38220818D494}" type="datetimeFigureOut">
               <a:rPr lang="en-US" smtClean="0"/>
-              <a:t>12/5/2016</a:t>
+              <a:t>12/7/2016</a:t>
             </a:fld>
             <a:endParaRPr lang="en-US"/>
           </a:p>
@@ -3026,7 +3026,7 @@
           <a:p>
             <a:fld id="{4DF9036F-4D36-4BF3-935E-38220818D494}" type="datetimeFigureOut">
               <a:rPr lang="en-US" smtClean="0"/>
-              <a:t>12/5/2016</a:t>
+              <a:t>12/7/2016</a:t>
             </a:fld>
             <a:endParaRPr lang="en-US"/>
           </a:p>
@@ -3279,7 +3279,7 @@
           <a:p>
             <a:fld id="{4DF9036F-4D36-4BF3-935E-38220818D494}" type="datetimeFigureOut">
               <a:rPr lang="en-US" smtClean="0"/>
-              <a:t>12/5/2016</a:t>
+              <a:t>12/7/2016</a:t>
             </a:fld>
             <a:endParaRPr lang="en-US"/>
           </a:p>
@@ -3526,7 +3526,7 @@
           <a:p>
             <a:fld id="{4DF9036F-4D36-4BF3-935E-38220818D494}" type="datetimeFigureOut">
               <a:rPr lang="en-US" smtClean="0"/>
-              <a:t>12/5/2016</a:t>
+              <a:t>12/7/2016</a:t>
             </a:fld>
             <a:endParaRPr lang="en-US"/>
           </a:p>
@@ -3965,15 +3965,7 @@
                   <a:schemeClr val="tx1"/>
                 </a:solidFill>
               </a:rPr>
-              <a:t>Brian Barkley, Yue </a:t>
-            </a:r>
-            <a:r>
-              <a:rPr lang="en-US" dirty="0" smtClean="0">
-                <a:solidFill>
-                  <a:schemeClr val="tx1"/>
-                </a:solidFill>
-              </a:rPr>
-              <a:t>Jiang</a:t>
+              <a:t>Brian Barkley, Yue Jiang</a:t>
             </a:r>
           </a:p>
           <a:p>
@@ -3994,7 +3986,6 @@
               <a:rPr lang="en-US" dirty="0" smtClean="0"/>
               <a:t> </a:t>
             </a:r>
-            <a:endParaRPr lang="en-US" dirty="0" smtClean="0"/>
           </a:p>
           <a:p>
             <a:endParaRPr lang="en-US" dirty="0"/>
@@ -5394,6 +5385,42 @@
               <a:rPr lang="en-US" sz="1600" dirty="0"/>
               <a:t> summer program to train aspiring data scientists to work on data mining, machine learning, big data, and data science projects with social impact. </a:t>
             </a:r>
+            <a:r>
+              <a:rPr lang="en-US" sz="1600" dirty="0"/>
+              <a:t> </a:t>
+            </a:r>
+            <a:r>
+              <a:rPr lang="en-US" sz="1600" smtClean="0"/>
+              <a:t>Apply here: </a:t>
+            </a:r>
+            <a:r>
+              <a:rPr lang="en-US" sz="1600" smtClean="0">
+                <a:hlinkClick r:id="rId5"/>
+              </a:rPr>
+              <a:t>https</a:t>
+            </a:r>
+            <a:r>
+              <a:rPr lang="en-US" sz="1600">
+                <a:hlinkClick r:id="rId5"/>
+              </a:rPr>
+              <a:t>://</a:t>
+            </a:r>
+            <a:r>
+              <a:rPr lang="en-US" sz="1600">
+                <a:hlinkClick r:id="rId5"/>
+              </a:rPr>
+              <a:t>dssg.uchicago.edu/faq-page</a:t>
+            </a:r>
+            <a:r>
+              <a:rPr lang="en-US" sz="1600" smtClean="0">
+                <a:hlinkClick r:id="rId5"/>
+              </a:rPr>
+              <a:t>/</a:t>
+            </a:r>
+            <a:r>
+              <a:rPr lang="en-US" sz="1600" smtClean="0"/>
+              <a:t> </a:t>
+            </a:r>
             <a:endParaRPr lang="en-US" sz="1600" dirty="0" smtClean="0"/>
           </a:p>
           <a:p>
@@ -5508,11 +5535,7 @@
           <a:p>
             <a:r>
               <a:rPr lang="en-US" dirty="0" smtClean="0"/>
-              <a:t>Requirements: internship vs </a:t>
-            </a:r>
-            <a:r>
-              <a:rPr lang="en-US" dirty="0" smtClean="0"/>
-              <a:t>job</a:t>
+              <a:t>Requirements: internship vs job</a:t>
             </a:r>
             <a:endParaRPr lang="en-US" dirty="0"/>
           </a:p>
@@ -5797,11 +5820,7 @@
           <a:p>
             <a:r>
               <a:rPr lang="en-US" dirty="0" smtClean="0"/>
-              <a:t>Requirements: internship vs </a:t>
-            </a:r>
-            <a:r>
-              <a:rPr lang="en-US" dirty="0" smtClean="0"/>
-              <a:t>job</a:t>
+              <a:t>Requirements: internship vs job</a:t>
             </a:r>
             <a:endParaRPr lang="en-US" dirty="0"/>
           </a:p>
@@ -6127,7 +6146,6 @@
               <a:rPr lang="en-US" dirty="0"/>
               <a:t>Requirements: internship vs job</a:t>
             </a:r>
-            <a:endParaRPr lang="en-US" dirty="0"/>
           </a:p>
         </p:txBody>
       </p:sp>
@@ -6188,7 +6206,6 @@
               <a:rPr lang="en-US" dirty="0" smtClean="0"/>
               <a:t>(they’re also long-term hiring strategies for companies)</a:t>
             </a:r>
-            <a:endParaRPr lang="en-US" dirty="0" smtClean="0"/>
           </a:p>
         </p:txBody>
       </p:sp>
@@ -6366,7 +6383,6 @@
               <a:rPr lang="en-US" dirty="0"/>
               <a:t>So are you prepared for an internship?</a:t>
             </a:r>
-            <a:endParaRPr lang="en-US" dirty="0"/>
           </a:p>
         </p:txBody>
       </p:sp>
@@ -6585,7 +6601,6 @@
               <a:rPr lang="en-US" dirty="0"/>
               <a:t>So are you prepared for an internship?</a:t>
             </a:r>
-            <a:endParaRPr lang="en-US" dirty="0"/>
           </a:p>
         </p:txBody>
       </p:sp>
@@ -6677,7 +6692,6 @@
               <a:rPr lang="en-US" dirty="0"/>
               <a:t>So are you prepared for an internship?</a:t>
             </a:r>
-            <a:endParaRPr lang="en-US" dirty="0"/>
           </a:p>
         </p:txBody>
       </p:sp>
@@ -6789,11 +6803,7 @@
             </a:r>
             <a:r>
               <a:rPr lang="en-US" dirty="0" smtClean="0"/>
-              <a:t>re </a:t>
-            </a:r>
-            <a:r>
-              <a:rPr lang="en-US" dirty="0" smtClean="0"/>
-              <a:t>you prepared for an internship?</a:t>
+              <a:t>re you prepared for an internship?</a:t>
             </a:r>
             <a:endParaRPr lang="en-US" dirty="0"/>
           </a:p>
@@ -6936,7 +6946,6 @@
               <a:rPr lang="en-US" dirty="0"/>
               <a:t>So are you prepared for an internship?</a:t>
             </a:r>
-            <a:endParaRPr lang="en-US" dirty="0"/>
           </a:p>
         </p:txBody>
       </p:sp>
@@ -8014,11 +8023,7 @@
           <a:p>
             <a:r>
               <a:rPr lang="en-US" dirty="0" smtClean="0"/>
-              <a:t>More </a:t>
-            </a:r>
-            <a:r>
-              <a:rPr lang="en-US" dirty="0" smtClean="0"/>
-              <a:t>help! - go to University Career Services!</a:t>
+              <a:t>More help! - go to University Career Services!</a:t>
             </a:r>
           </a:p>
           <a:p>
@@ -8563,7 +8568,6 @@
               <a:rPr lang="en-US" dirty="0" smtClean="0"/>
               <a:t>Did you mention any centers or research groups by name?</a:t>
             </a:r>
-            <a:endParaRPr lang="en-US" dirty="0" smtClean="0"/>
           </a:p>
           <a:p>
             <a:pPr lvl="3"/>
@@ -8683,11 +8687,7 @@
             <a:pPr lvl="1"/>
             <a:r>
               <a:rPr lang="en-US" dirty="0" smtClean="0"/>
-              <a:t>Knowing </a:t>
-            </a:r>
-            <a:r>
-              <a:rPr lang="en-US" dirty="0" smtClean="0"/>
-              <a:t>what you know now about UNC, what would you write about?</a:t>
+              <a:t>Knowing what you know now about UNC, what would you write about?</a:t>
             </a:r>
           </a:p>
           <a:p>
